--- a/src/timus/РИЗ-130916у Савельев В.Н. Отчет о выполнении задачи с сайта timus.pptx
+++ b/src/timus/РИЗ-130916у Савельев В.Н. Отчет о выполнении задачи с сайта timus.pptx
@@ -8,16 +8,25 @@
     <p:sldId id="256" r:id="rId2"/>
     <p:sldId id="257" r:id="rId3"/>
     <p:sldId id="284" r:id="rId4"/>
-    <p:sldId id="307" r:id="rId5"/>
-    <p:sldId id="308" r:id="rId6"/>
-    <p:sldId id="309" r:id="rId7"/>
-    <p:sldId id="310" r:id="rId8"/>
-    <p:sldId id="311" r:id="rId9"/>
-    <p:sldId id="312" r:id="rId10"/>
-    <p:sldId id="313" r:id="rId11"/>
-    <p:sldId id="314" r:id="rId12"/>
-    <p:sldId id="315" r:id="rId13"/>
-    <p:sldId id="306" r:id="rId14"/>
+    <p:sldId id="285" r:id="rId5"/>
+    <p:sldId id="286" r:id="rId6"/>
+    <p:sldId id="287" r:id="rId7"/>
+    <p:sldId id="288" r:id="rId8"/>
+    <p:sldId id="289" r:id="rId9"/>
+    <p:sldId id="290" r:id="rId10"/>
+    <p:sldId id="291" r:id="rId11"/>
+    <p:sldId id="292" r:id="rId12"/>
+    <p:sldId id="293" r:id="rId13"/>
+    <p:sldId id="294" r:id="rId14"/>
+    <p:sldId id="295" r:id="rId15"/>
+    <p:sldId id="296" r:id="rId16"/>
+    <p:sldId id="297" r:id="rId17"/>
+    <p:sldId id="298" r:id="rId18"/>
+    <p:sldId id="299" r:id="rId19"/>
+    <p:sldId id="300" r:id="rId20"/>
+    <p:sldId id="301" r:id="rId21"/>
+    <p:sldId id="302" r:id="rId22"/>
+    <p:sldId id="303" r:id="rId23"/>
   </p:sldIdLst>
   <p:sldSz cx="12192000" cy="6858000"/>
   <p:notesSz cx="6858000" cy="9144000"/>
@@ -124,16 +133,25 @@
             <p14:sldId id="256"/>
             <p14:sldId id="257"/>
             <p14:sldId id="284"/>
-            <p14:sldId id="307"/>
-            <p14:sldId id="308"/>
-            <p14:sldId id="309"/>
-            <p14:sldId id="310"/>
-            <p14:sldId id="311"/>
-            <p14:sldId id="312"/>
-            <p14:sldId id="313"/>
-            <p14:sldId id="314"/>
-            <p14:sldId id="315"/>
-            <p14:sldId id="306"/>
+            <p14:sldId id="285"/>
+            <p14:sldId id="286"/>
+            <p14:sldId id="287"/>
+            <p14:sldId id="288"/>
+            <p14:sldId id="289"/>
+            <p14:sldId id="290"/>
+            <p14:sldId id="291"/>
+            <p14:sldId id="292"/>
+            <p14:sldId id="293"/>
+            <p14:sldId id="294"/>
+            <p14:sldId id="295"/>
+            <p14:sldId id="296"/>
+            <p14:sldId id="297"/>
+            <p14:sldId id="298"/>
+            <p14:sldId id="299"/>
+            <p14:sldId id="300"/>
+            <p14:sldId id="301"/>
+            <p14:sldId id="302"/>
+            <p14:sldId id="303"/>
           </p14:sldIdLst>
         </p14:section>
       </p14:sectionLst>
@@ -292,7 +310,7 @@
           <a:p>
             <a:fld id="{870F65BB-7DDC-4717-AF77-59A3293404C9}" type="datetimeFigureOut">
               <a:rPr lang="ru-RU" smtClean="0"/>
-              <a:t>05.12.2023</a:t>
+              <a:t>04.01.2024</a:t>
             </a:fld>
             <a:endParaRPr lang="ru-RU"/>
           </a:p>
@@ -490,7 +508,7 @@
           <a:p>
             <a:fld id="{870F65BB-7DDC-4717-AF77-59A3293404C9}" type="datetimeFigureOut">
               <a:rPr lang="ru-RU" smtClean="0"/>
-              <a:t>05.12.2023</a:t>
+              <a:t>04.01.2024</a:t>
             </a:fld>
             <a:endParaRPr lang="ru-RU"/>
           </a:p>
@@ -698,7 +716,7 @@
           <a:p>
             <a:fld id="{870F65BB-7DDC-4717-AF77-59A3293404C9}" type="datetimeFigureOut">
               <a:rPr lang="ru-RU" smtClean="0"/>
-              <a:t>05.12.2023</a:t>
+              <a:t>04.01.2024</a:t>
             </a:fld>
             <a:endParaRPr lang="ru-RU"/>
           </a:p>
@@ -896,7 +914,7 @@
           <a:p>
             <a:fld id="{870F65BB-7DDC-4717-AF77-59A3293404C9}" type="datetimeFigureOut">
               <a:rPr lang="ru-RU" smtClean="0"/>
-              <a:t>05.12.2023</a:t>
+              <a:t>04.01.2024</a:t>
             </a:fld>
             <a:endParaRPr lang="ru-RU"/>
           </a:p>
@@ -1171,7 +1189,7 @@
           <a:p>
             <a:fld id="{870F65BB-7DDC-4717-AF77-59A3293404C9}" type="datetimeFigureOut">
               <a:rPr lang="ru-RU" smtClean="0"/>
-              <a:t>05.12.2023</a:t>
+              <a:t>04.01.2024</a:t>
             </a:fld>
             <a:endParaRPr lang="ru-RU"/>
           </a:p>
@@ -1436,7 +1454,7 @@
           <a:p>
             <a:fld id="{870F65BB-7DDC-4717-AF77-59A3293404C9}" type="datetimeFigureOut">
               <a:rPr lang="ru-RU" smtClean="0"/>
-              <a:t>05.12.2023</a:t>
+              <a:t>04.01.2024</a:t>
             </a:fld>
             <a:endParaRPr lang="ru-RU"/>
           </a:p>
@@ -1848,7 +1866,7 @@
           <a:p>
             <a:fld id="{870F65BB-7DDC-4717-AF77-59A3293404C9}" type="datetimeFigureOut">
               <a:rPr lang="ru-RU" smtClean="0"/>
-              <a:t>05.12.2023</a:t>
+              <a:t>04.01.2024</a:t>
             </a:fld>
             <a:endParaRPr lang="ru-RU"/>
           </a:p>
@@ -1989,7 +2007,7 @@
           <a:p>
             <a:fld id="{870F65BB-7DDC-4717-AF77-59A3293404C9}" type="datetimeFigureOut">
               <a:rPr lang="ru-RU" smtClean="0"/>
-              <a:t>05.12.2023</a:t>
+              <a:t>04.01.2024</a:t>
             </a:fld>
             <a:endParaRPr lang="ru-RU"/>
           </a:p>
@@ -2102,7 +2120,7 @@
           <a:p>
             <a:fld id="{870F65BB-7DDC-4717-AF77-59A3293404C9}" type="datetimeFigureOut">
               <a:rPr lang="ru-RU" smtClean="0"/>
-              <a:t>05.12.2023</a:t>
+              <a:t>04.01.2024</a:t>
             </a:fld>
             <a:endParaRPr lang="ru-RU"/>
           </a:p>
@@ -2413,7 +2431,7 @@
           <a:p>
             <a:fld id="{870F65BB-7DDC-4717-AF77-59A3293404C9}" type="datetimeFigureOut">
               <a:rPr lang="ru-RU" smtClean="0"/>
-              <a:t>05.12.2023</a:t>
+              <a:t>04.01.2024</a:t>
             </a:fld>
             <a:endParaRPr lang="ru-RU"/>
           </a:p>
@@ -2701,7 +2719,7 @@
           <a:p>
             <a:fld id="{870F65BB-7DDC-4717-AF77-59A3293404C9}" type="datetimeFigureOut">
               <a:rPr lang="ru-RU" smtClean="0"/>
-              <a:t>05.12.2023</a:t>
+              <a:t>04.01.2024</a:t>
             </a:fld>
             <a:endParaRPr lang="ru-RU"/>
           </a:p>
@@ -2942,7 +2960,7 @@
           <a:p>
             <a:fld id="{870F65BB-7DDC-4717-AF77-59A3293404C9}" type="datetimeFigureOut">
               <a:rPr lang="ru-RU" smtClean="0"/>
-              <a:t>05.12.2023</a:t>
+              <a:t>04.01.2024</a:t>
             </a:fld>
             <a:endParaRPr lang="ru-RU"/>
           </a:p>
@@ -3405,14 +3423,21 @@
                 <a:latin typeface="Times New Roman" panose="02020603050405020304" pitchFamily="18" charset="0"/>
                 <a:cs typeface="Times New Roman" panose="02020603050405020304" pitchFamily="18" charset="0"/>
               </a:rPr>
-              <a:t>Лабораторной работы №</a:t>
+              <a:t>Лабораторной работы «Задачи с сайта </a:t>
             </a:r>
             <a:r>
               <a:rPr lang="en-US" sz="1400" dirty="0">
                 <a:latin typeface="Times New Roman" panose="02020603050405020304" pitchFamily="18" charset="0"/>
                 <a:cs typeface="Times New Roman" panose="02020603050405020304" pitchFamily="18" charset="0"/>
               </a:rPr>
-              <a:t>3</a:t>
+              <a:t>timus</a:t>
+            </a:r>
+            <a:r>
+              <a:rPr lang="ru-RU" sz="1400" dirty="0">
+                <a:latin typeface="Times New Roman" panose="02020603050405020304" pitchFamily="18" charset="0"/>
+                <a:cs typeface="Times New Roman" panose="02020603050405020304" pitchFamily="18" charset="0"/>
+              </a:rPr>
+              <a:t>»</a:t>
             </a:r>
             <a:br>
               <a:rPr lang="en-US" sz="1400" dirty="0">
@@ -3642,8 +3667,8 @@
         </p:nvSpPr>
         <p:spPr>
           <a:xfrm>
-            <a:off x="831850" y="629175"/>
-            <a:ext cx="10515600" cy="3288484"/>
+            <a:off x="831850" y="629174"/>
+            <a:ext cx="10515600" cy="5898625"/>
           </a:xfrm>
         </p:spPr>
         <p:txBody>
@@ -3660,8 +3685,37 @@
                 <a:latin typeface="Times New Roman" panose="02020603050405020304" pitchFamily="18" charset="0"/>
                 <a:cs typeface="Times New Roman" panose="02020603050405020304" pitchFamily="18" charset="0"/>
               </a:rPr>
-              <a:t>Напишите программу, в которой создается символьный массив из 10 элементов. Массив заполнить большими (прописными) буквами английского алфавита. Буквы берутся подряд, но только согласные (то есть гласные буквы ’ А',1Е' и ' I' при присваивании значений элементам массива нужно пропустить). Отобразите содержимое созданного массива в консольном окне.</a:t>
-            </a:r>
+              <a:t>Задача</a:t>
+            </a:r>
+          </a:p>
+          <a:p>
+            <a:r>
+              <a:rPr lang="en-US" sz="1400" dirty="0">
+                <a:solidFill>
+                  <a:schemeClr val="tx1"/>
+                </a:solidFill>
+                <a:latin typeface="Times New Roman" panose="02020603050405020304" pitchFamily="18" charset="0"/>
+                <a:cs typeface="Times New Roman" panose="02020603050405020304" pitchFamily="18" charset="0"/>
+                <a:hlinkClick r:id="rId2"/>
+              </a:rPr>
+              <a:t>https://acm.timus.ru/problem.aspx?space=1&amp;num=1264</a:t>
+            </a:r>
+            <a:endParaRPr lang="ru-RU" sz="1400" dirty="0">
+              <a:solidFill>
+                <a:schemeClr val="tx1"/>
+              </a:solidFill>
+              <a:latin typeface="Times New Roman" panose="02020603050405020304" pitchFamily="18" charset="0"/>
+              <a:cs typeface="Times New Roman" panose="02020603050405020304" pitchFamily="18" charset="0"/>
+            </a:endParaRPr>
+          </a:p>
+          <a:p>
+            <a:endParaRPr lang="ru-RU" sz="1400" dirty="0">
+              <a:solidFill>
+                <a:schemeClr val="tx1"/>
+              </a:solidFill>
+              <a:latin typeface="Times New Roman" panose="02020603050405020304" pitchFamily="18" charset="0"/>
+              <a:cs typeface="Times New Roman" panose="02020603050405020304" pitchFamily="18" charset="0"/>
+            </a:endParaRPr>
           </a:p>
           <a:p>
             <a:r>
@@ -3681,29 +3735,19 @@
                 </a:solidFill>
                 <a:latin typeface="Times New Roman" panose="02020603050405020304" pitchFamily="18" charset="0"/>
                 <a:cs typeface="Times New Roman" panose="02020603050405020304" pitchFamily="18" charset="0"/>
-              </a:rPr>
-              <a:t>https://github.com/Vladnwx/Learn2023-2024/blob/master/src/lr3/Example</a:t>
-            </a:r>
-            <a:r>
-              <a:rPr lang="ru-RU" sz="1400" dirty="0">
-                <a:solidFill>
-                  <a:schemeClr val="tx1"/>
-                </a:solidFill>
-                <a:latin typeface="Times New Roman" panose="02020603050405020304" pitchFamily="18" charset="0"/>
-                <a:cs typeface="Times New Roman" panose="02020603050405020304" pitchFamily="18" charset="0"/>
-              </a:rPr>
-              <a:t>8</a:t>
-            </a:r>
-            <a:r>
-              <a:rPr lang="en-US" sz="1400" dirty="0">
-                <a:solidFill>
-                  <a:schemeClr val="tx1"/>
-                </a:solidFill>
-                <a:latin typeface="Times New Roman" panose="02020603050405020304" pitchFamily="18" charset="0"/>
-                <a:cs typeface="Times New Roman" panose="02020603050405020304" pitchFamily="18" charset="0"/>
-              </a:rPr>
-              <a:t>.java</a:t>
-            </a:r>
+                <a:hlinkClick r:id="rId3"/>
+              </a:rPr>
+              <a:t>https://github.com/Vladnwx/Learn2023-2024/blob/master/src/timus/task_1264/Main.java</a:t>
+            </a:r>
+            <a:endParaRPr lang="ru-RU" sz="1400" dirty="0">
+              <a:solidFill>
+                <a:schemeClr val="tx1"/>
+              </a:solidFill>
+              <a:latin typeface="Times New Roman" panose="02020603050405020304" pitchFamily="18" charset="0"/>
+              <a:cs typeface="Times New Roman" panose="02020603050405020304" pitchFamily="18" charset="0"/>
+            </a:endParaRPr>
+          </a:p>
+          <a:p>
             <a:endParaRPr lang="ru-RU" sz="1400" dirty="0">
               <a:solidFill>
                 <a:schemeClr val="tx1"/>
@@ -3717,7 +3761,7 @@
     </p:spTree>
     <p:extLst>
       <p:ext uri="{BB962C8B-B14F-4D97-AF65-F5344CB8AC3E}">
-        <p14:creationId xmlns:p14="http://schemas.microsoft.com/office/powerpoint/2010/main" val="4105176660"/>
+        <p14:creationId xmlns:p14="http://schemas.microsoft.com/office/powerpoint/2010/main" val="493492644"/>
       </p:ext>
     </p:extLst>
   </p:cSld>
@@ -3801,8 +3845,8 @@
         </p:nvSpPr>
         <p:spPr>
           <a:xfrm>
-            <a:off x="831850" y="629175"/>
-            <a:ext cx="10515600" cy="3288484"/>
+            <a:off x="831850" y="629174"/>
+            <a:ext cx="10515600" cy="5898625"/>
           </a:xfrm>
         </p:spPr>
         <p:txBody>
@@ -3819,8 +3863,37 @@
                 <a:latin typeface="Times New Roman" panose="02020603050405020304" pitchFamily="18" charset="0"/>
                 <a:cs typeface="Times New Roman" panose="02020603050405020304" pitchFamily="18" charset="0"/>
               </a:rPr>
-              <a:t>Напишите программу, в которой создается массив и заполняется случайными числами. Массив отображается в консольном окне. В этом массиве необходимо определить элемент с минимальным значением. В частности, программа должна вывести значение элемента с минимальным значением и индекс этого элемента. Если элементов с минимальным значением несколько, должны быть выведены индексы всех этих элементов.</a:t>
-            </a:r>
+              <a:t>Задача</a:t>
+            </a:r>
+          </a:p>
+          <a:p>
+            <a:r>
+              <a:rPr lang="en-US" sz="1400" dirty="0">
+                <a:solidFill>
+                  <a:schemeClr val="tx1"/>
+                </a:solidFill>
+                <a:latin typeface="Times New Roman" panose="02020603050405020304" pitchFamily="18" charset="0"/>
+                <a:cs typeface="Times New Roman" panose="02020603050405020304" pitchFamily="18" charset="0"/>
+                <a:hlinkClick r:id="rId2"/>
+              </a:rPr>
+              <a:t>https://acm.timus.ru/problem.aspx?space=1&amp;num=2001</a:t>
+            </a:r>
+            <a:endParaRPr lang="ru-RU" sz="1400" dirty="0">
+              <a:solidFill>
+                <a:schemeClr val="tx1"/>
+              </a:solidFill>
+              <a:latin typeface="Times New Roman" panose="02020603050405020304" pitchFamily="18" charset="0"/>
+              <a:cs typeface="Times New Roman" panose="02020603050405020304" pitchFamily="18" charset="0"/>
+            </a:endParaRPr>
+          </a:p>
+          <a:p>
+            <a:endParaRPr lang="ru-RU" sz="1400" dirty="0">
+              <a:solidFill>
+                <a:schemeClr val="tx1"/>
+              </a:solidFill>
+              <a:latin typeface="Times New Roman" panose="02020603050405020304" pitchFamily="18" charset="0"/>
+              <a:cs typeface="Times New Roman" panose="02020603050405020304" pitchFamily="18" charset="0"/>
+            </a:endParaRPr>
           </a:p>
           <a:p>
             <a:r>
@@ -3840,29 +3913,19 @@
                 </a:solidFill>
                 <a:latin typeface="Times New Roman" panose="02020603050405020304" pitchFamily="18" charset="0"/>
                 <a:cs typeface="Times New Roman" panose="02020603050405020304" pitchFamily="18" charset="0"/>
-              </a:rPr>
-              <a:t>https://github.com/Vladnwx/Learn2023-2024/blob/master/src/lr3/Example</a:t>
-            </a:r>
-            <a:r>
-              <a:rPr lang="ru-RU" sz="1400" dirty="0">
-                <a:solidFill>
-                  <a:schemeClr val="tx1"/>
-                </a:solidFill>
-                <a:latin typeface="Times New Roman" panose="02020603050405020304" pitchFamily="18" charset="0"/>
-                <a:cs typeface="Times New Roman" panose="02020603050405020304" pitchFamily="18" charset="0"/>
-              </a:rPr>
-              <a:t>9</a:t>
-            </a:r>
-            <a:r>
-              <a:rPr lang="en-US" sz="1400" dirty="0">
-                <a:solidFill>
-                  <a:schemeClr val="tx1"/>
-                </a:solidFill>
-                <a:latin typeface="Times New Roman" panose="02020603050405020304" pitchFamily="18" charset="0"/>
-                <a:cs typeface="Times New Roman" panose="02020603050405020304" pitchFamily="18" charset="0"/>
-              </a:rPr>
-              <a:t>.java</a:t>
-            </a:r>
+                <a:hlinkClick r:id="rId3"/>
+              </a:rPr>
+              <a:t>https://github.com/Vladnwx/Learn2023-2024/blob/master/src/timus/task_2001/Main.java</a:t>
+            </a:r>
+            <a:endParaRPr lang="ru-RU" sz="1400" dirty="0">
+              <a:solidFill>
+                <a:schemeClr val="tx1"/>
+              </a:solidFill>
+              <a:latin typeface="Times New Roman" panose="02020603050405020304" pitchFamily="18" charset="0"/>
+              <a:cs typeface="Times New Roman" panose="02020603050405020304" pitchFamily="18" charset="0"/>
+            </a:endParaRPr>
+          </a:p>
+          <a:p>
             <a:endParaRPr lang="ru-RU" sz="1400" dirty="0">
               <a:solidFill>
                 <a:schemeClr val="tx1"/>
@@ -3876,7 +3939,7 @@
     </p:spTree>
     <p:extLst>
       <p:ext uri="{BB962C8B-B14F-4D97-AF65-F5344CB8AC3E}">
-        <p14:creationId xmlns:p14="http://schemas.microsoft.com/office/powerpoint/2010/main" val="4272833713"/>
+        <p14:creationId xmlns:p14="http://schemas.microsoft.com/office/powerpoint/2010/main" val="4082121635"/>
       </p:ext>
     </p:extLst>
   </p:cSld>
@@ -3960,8 +4023,8 @@
         </p:nvSpPr>
         <p:spPr>
           <a:xfrm>
-            <a:off x="831850" y="629175"/>
-            <a:ext cx="10515600" cy="3288484"/>
+            <a:off x="831850" y="629174"/>
+            <a:ext cx="10515600" cy="5898625"/>
           </a:xfrm>
         </p:spPr>
         <p:txBody>
@@ -3978,8 +4041,37 @@
                 <a:latin typeface="Times New Roman" panose="02020603050405020304" pitchFamily="18" charset="0"/>
                 <a:cs typeface="Times New Roman" panose="02020603050405020304" pitchFamily="18" charset="0"/>
               </a:rPr>
-              <a:t>Напишите программу, в которой создается целочисленный массив, заполняется случайными числами и после этого значения элементов в массиве сортируются в порядке убывания значений.</a:t>
-            </a:r>
+              <a:t>Задача</a:t>
+            </a:r>
+          </a:p>
+          <a:p>
+            <a:r>
+              <a:rPr lang="en-US" sz="1400" dirty="0">
+                <a:solidFill>
+                  <a:schemeClr val="tx1"/>
+                </a:solidFill>
+                <a:latin typeface="Times New Roman" panose="02020603050405020304" pitchFamily="18" charset="0"/>
+                <a:cs typeface="Times New Roman" panose="02020603050405020304" pitchFamily="18" charset="0"/>
+                <a:hlinkClick r:id="rId2"/>
+              </a:rPr>
+              <a:t>https://acm.timus.ru/problem.aspx?space=1&amp;num=1787</a:t>
+            </a:r>
+            <a:endParaRPr lang="ru-RU" sz="1400" dirty="0">
+              <a:solidFill>
+                <a:schemeClr val="tx1"/>
+              </a:solidFill>
+              <a:latin typeface="Times New Roman" panose="02020603050405020304" pitchFamily="18" charset="0"/>
+              <a:cs typeface="Times New Roman" panose="02020603050405020304" pitchFamily="18" charset="0"/>
+            </a:endParaRPr>
+          </a:p>
+          <a:p>
+            <a:endParaRPr lang="ru-RU" sz="1400" dirty="0">
+              <a:solidFill>
+                <a:schemeClr val="tx1"/>
+              </a:solidFill>
+              <a:latin typeface="Times New Roman" panose="02020603050405020304" pitchFamily="18" charset="0"/>
+              <a:cs typeface="Times New Roman" panose="02020603050405020304" pitchFamily="18" charset="0"/>
+            </a:endParaRPr>
           </a:p>
           <a:p>
             <a:r>
@@ -3999,39 +4091,19 @@
                 </a:solidFill>
                 <a:latin typeface="Times New Roman" panose="02020603050405020304" pitchFamily="18" charset="0"/>
                 <a:cs typeface="Times New Roman" panose="02020603050405020304" pitchFamily="18" charset="0"/>
-              </a:rPr>
-              <a:t>https://github.com/Vladnwx/Learn2023-2024/blob/master/src/lr3/Example</a:t>
-            </a:r>
-            <a:r>
-              <a:rPr lang="ru-RU" sz="1400" dirty="0">
-                <a:solidFill>
-                  <a:schemeClr val="tx1"/>
-                </a:solidFill>
-                <a:latin typeface="Times New Roman" panose="02020603050405020304" pitchFamily="18" charset="0"/>
-                <a:cs typeface="Times New Roman" panose="02020603050405020304" pitchFamily="18" charset="0"/>
-              </a:rPr>
-              <a:t>10</a:t>
-            </a:r>
-            <a:r>
-              <a:rPr lang="en-US" sz="1400">
-                <a:solidFill>
-                  <a:schemeClr val="tx1"/>
-                </a:solidFill>
-                <a:latin typeface="Times New Roman" panose="02020603050405020304" pitchFamily="18" charset="0"/>
-                <a:cs typeface="Times New Roman" panose="02020603050405020304" pitchFamily="18" charset="0"/>
-              </a:rPr>
-              <a:t>.</a:t>
-            </a:r>
-            <a:r>
-              <a:rPr lang="en-US" sz="1400" dirty="0">
-                <a:solidFill>
-                  <a:schemeClr val="tx1"/>
-                </a:solidFill>
-                <a:latin typeface="Times New Roman" panose="02020603050405020304" pitchFamily="18" charset="0"/>
-                <a:cs typeface="Times New Roman" panose="02020603050405020304" pitchFamily="18" charset="0"/>
-              </a:rPr>
-              <a:t>java</a:t>
-            </a:r>
+                <a:hlinkClick r:id="rId3"/>
+              </a:rPr>
+              <a:t>https://github.com/Vladnwx/Learn2023-2024/blob/master/src/timus/task_1787/Main.java</a:t>
+            </a:r>
+            <a:endParaRPr lang="ru-RU" sz="1400" dirty="0">
+              <a:solidFill>
+                <a:schemeClr val="tx1"/>
+              </a:solidFill>
+              <a:latin typeface="Times New Roman" panose="02020603050405020304" pitchFamily="18" charset="0"/>
+              <a:cs typeface="Times New Roman" panose="02020603050405020304" pitchFamily="18" charset="0"/>
+            </a:endParaRPr>
+          </a:p>
+          <a:p>
             <a:endParaRPr lang="ru-RU" sz="1400" dirty="0">
               <a:solidFill>
                 <a:schemeClr val="tx1"/>
@@ -4045,7 +4117,7 @@
     </p:spTree>
     <p:extLst>
       <p:ext uri="{BB962C8B-B14F-4D97-AF65-F5344CB8AC3E}">
-        <p14:creationId xmlns:p14="http://schemas.microsoft.com/office/powerpoint/2010/main" val="565591506"/>
+        <p14:creationId xmlns:p14="http://schemas.microsoft.com/office/powerpoint/2010/main" val="739843793"/>
       </p:ext>
     </p:extLst>
   </p:cSld>
@@ -4106,7 +4178,7 @@
                 <a:latin typeface="Times New Roman" panose="02020603050405020304" pitchFamily="18" charset="0"/>
                 <a:cs typeface="Times New Roman" panose="02020603050405020304" pitchFamily="18" charset="0"/>
               </a:rPr>
-              <a:t>Вывод</a:t>
+              <a:t>Задача №11</a:t>
             </a:r>
           </a:p>
         </p:txBody>
@@ -4129,8 +4201,8 @@
         </p:nvSpPr>
         <p:spPr>
           <a:xfrm>
-            <a:off x="831850" y="629175"/>
-            <a:ext cx="10515600" cy="6052656"/>
+            <a:off x="831850" y="629174"/>
+            <a:ext cx="10515600" cy="5898625"/>
           </a:xfrm>
         </p:spPr>
         <p:txBody>
@@ -4139,10 +4211,6 @@
           </a:bodyPr>
           <a:lstStyle/>
           <a:p>
-            <a:pPr marL="285750" indent="-285750">
-              <a:buFont typeface="Arial" panose="020B0604020202020204" pitchFamily="34" charset="0"/>
-              <a:buChar char="•"/>
-            </a:pPr>
             <a:r>
               <a:rPr lang="ru-RU" sz="1400" dirty="0">
                 <a:solidFill>
@@ -4151,14 +4219,39 @@
                 <a:latin typeface="Times New Roman" panose="02020603050405020304" pitchFamily="18" charset="0"/>
                 <a:cs typeface="Times New Roman" panose="02020603050405020304" pitchFamily="18" charset="0"/>
               </a:rPr>
-              <a:t>При большом количестве переменны удобнее пользоваться массивами. Их можно сортировать используя стандартную библиотеку.</a:t>
-            </a:r>
-          </a:p>
-          <a:p>
-            <a:pPr marL="285750" indent="-285750">
-              <a:buFont typeface="Arial" panose="020B0604020202020204" pitchFamily="34" charset="0"/>
-              <a:buChar char="•"/>
-            </a:pPr>
+              <a:t>Задача</a:t>
+            </a:r>
+          </a:p>
+          <a:p>
+            <a:r>
+              <a:rPr lang="en-US" sz="1400" dirty="0">
+                <a:solidFill>
+                  <a:schemeClr val="tx1"/>
+                </a:solidFill>
+                <a:latin typeface="Times New Roman" panose="02020603050405020304" pitchFamily="18" charset="0"/>
+                <a:cs typeface="Times New Roman" panose="02020603050405020304" pitchFamily="18" charset="0"/>
+                <a:hlinkClick r:id="rId2"/>
+              </a:rPr>
+              <a:t>https://acm.timus.ru/problem.aspx?space=1&amp;num=1820</a:t>
+            </a:r>
+            <a:endParaRPr lang="ru-RU" sz="1400" dirty="0">
+              <a:solidFill>
+                <a:schemeClr val="tx1"/>
+              </a:solidFill>
+              <a:latin typeface="Times New Roman" panose="02020603050405020304" pitchFamily="18" charset="0"/>
+              <a:cs typeface="Times New Roman" panose="02020603050405020304" pitchFamily="18" charset="0"/>
+            </a:endParaRPr>
+          </a:p>
+          <a:p>
+            <a:endParaRPr lang="ru-RU" sz="1400" dirty="0">
+              <a:solidFill>
+                <a:schemeClr val="tx1"/>
+              </a:solidFill>
+              <a:latin typeface="Times New Roman" panose="02020603050405020304" pitchFamily="18" charset="0"/>
+              <a:cs typeface="Times New Roman" panose="02020603050405020304" pitchFamily="18" charset="0"/>
+            </a:endParaRPr>
+          </a:p>
+          <a:p>
             <a:r>
               <a:rPr lang="ru-RU" sz="1400" dirty="0">
                 <a:solidFill>
@@ -4167,27 +4260,7 @@
                 <a:latin typeface="Times New Roman" panose="02020603050405020304" pitchFamily="18" charset="0"/>
                 <a:cs typeface="Times New Roman" panose="02020603050405020304" pitchFamily="18" charset="0"/>
               </a:rPr>
-              <a:t>Для выполнения различных тестов </a:t>
-            </a:r>
-            <a:r>
-              <a:rPr lang="ru-RU" sz="1400">
-                <a:solidFill>
-                  <a:schemeClr val="tx1"/>
-                </a:solidFill>
-                <a:latin typeface="Times New Roman" panose="02020603050405020304" pitchFamily="18" charset="0"/>
-                <a:cs typeface="Times New Roman" panose="02020603050405020304" pitchFamily="18" charset="0"/>
-              </a:rPr>
-              <a:t>заполнения массивов </a:t>
-            </a:r>
-            <a:r>
-              <a:rPr lang="ru-RU" sz="1400" dirty="0">
-                <a:solidFill>
-                  <a:schemeClr val="tx1"/>
-                </a:solidFill>
-                <a:latin typeface="Times New Roman" panose="02020603050405020304" pitchFamily="18" charset="0"/>
-                <a:cs typeface="Times New Roman" panose="02020603050405020304" pitchFamily="18" charset="0"/>
-              </a:rPr>
-              <a:t>можно использовать библиотеку </a:t>
+              <a:t>Исходный код решения : </a:t>
             </a:r>
             <a:r>
               <a:rPr lang="en-US" sz="1400" dirty="0">
@@ -4196,59 +4269,1110 @@
                 </a:solidFill>
                 <a:latin typeface="Times New Roman" panose="02020603050405020304" pitchFamily="18" charset="0"/>
                 <a:cs typeface="Times New Roman" panose="02020603050405020304" pitchFamily="18" charset="0"/>
-              </a:rPr>
-              <a:t>Random</a:t>
-            </a:r>
-            <a:endParaRPr lang="ru-RU" sz="1400" dirty="0">
-              <a:solidFill>
-                <a:schemeClr val="tx1"/>
-              </a:solidFill>
-              <a:latin typeface="Times New Roman" panose="02020603050405020304" pitchFamily="18" charset="0"/>
-              <a:cs typeface="Times New Roman" panose="02020603050405020304" pitchFamily="18" charset="0"/>
-            </a:endParaRPr>
-          </a:p>
-          <a:p>
-            <a:pPr marL="285750" indent="-285750">
-              <a:buFont typeface="Arial" panose="020B0604020202020204" pitchFamily="34" charset="0"/>
-              <a:buChar char="•"/>
-            </a:pPr>
-            <a:r>
-              <a:rPr lang="ru-RU" sz="1400" dirty="0">
-                <a:solidFill>
-                  <a:schemeClr val="tx1"/>
-                </a:solidFill>
-                <a:latin typeface="Times New Roman" panose="02020603050405020304" pitchFamily="18" charset="0"/>
-                <a:cs typeface="Times New Roman" panose="02020603050405020304" pitchFamily="18" charset="0"/>
-              </a:rPr>
-              <a:t>Операторы цикла </a:t>
-            </a:r>
-            <a:r>
-              <a:rPr lang="en-US" sz="1400" dirty="0">
-                <a:solidFill>
-                  <a:schemeClr val="tx1"/>
-                </a:solidFill>
-                <a:latin typeface="Times New Roman" panose="02020603050405020304" pitchFamily="18" charset="0"/>
-                <a:cs typeface="Times New Roman" panose="02020603050405020304" pitchFamily="18" charset="0"/>
-              </a:rPr>
-              <a:t>switch </a:t>
-            </a:r>
-            <a:r>
-              <a:rPr lang="ru-RU" sz="1400" dirty="0">
-                <a:solidFill>
-                  <a:schemeClr val="tx1"/>
-                </a:solidFill>
-                <a:latin typeface="Times New Roman" panose="02020603050405020304" pitchFamily="18" charset="0"/>
-                <a:cs typeface="Times New Roman" panose="02020603050405020304" pitchFamily="18" charset="0"/>
-              </a:rPr>
-              <a:t>удобнее использовать при однотипном сравнении значений</a:t>
-            </a:r>
+                <a:hlinkClick r:id="rId3"/>
+              </a:rPr>
+              <a:t>https://github.com/Vladnwx/Learn2023-2024/blob/master/src/timus/task_1820/Main.java</a:t>
+            </a:r>
+            <a:endParaRPr lang="ru-RU" sz="1400" dirty="0">
+              <a:solidFill>
+                <a:schemeClr val="tx1"/>
+              </a:solidFill>
+              <a:latin typeface="Times New Roman" panose="02020603050405020304" pitchFamily="18" charset="0"/>
+              <a:cs typeface="Times New Roman" panose="02020603050405020304" pitchFamily="18" charset="0"/>
+            </a:endParaRPr>
+          </a:p>
+          <a:p>
+            <a:endParaRPr lang="ru-RU" sz="1400" dirty="0">
+              <a:solidFill>
+                <a:schemeClr val="tx1"/>
+              </a:solidFill>
+              <a:latin typeface="Times New Roman" panose="02020603050405020304" pitchFamily="18" charset="0"/>
+              <a:cs typeface="Times New Roman" panose="02020603050405020304" pitchFamily="18" charset="0"/>
+            </a:endParaRPr>
           </a:p>
         </p:txBody>
       </p:sp>
     </p:spTree>
     <p:extLst>
       <p:ext uri="{BB962C8B-B14F-4D97-AF65-F5344CB8AC3E}">
-        <p14:creationId xmlns:p14="http://schemas.microsoft.com/office/powerpoint/2010/main" val="483522093"/>
+        <p14:creationId xmlns:p14="http://schemas.microsoft.com/office/powerpoint/2010/main" val="2230318392"/>
+      </p:ext>
+    </p:extLst>
+  </p:cSld>
+  <p:clrMapOvr>
+    <a:masterClrMapping/>
+  </p:clrMapOvr>
+</p:sld>
+</file>
+
+<file path=ppt/slides/slide14.xml><?xml version="1.0" encoding="utf-8"?>
+<p:sld xmlns:a="http://schemas.openxmlformats.org/drawingml/2006/main" xmlns:r="http://schemas.openxmlformats.org/officeDocument/2006/relationships" xmlns:p="http://schemas.openxmlformats.org/presentationml/2006/main">
+  <p:cSld>
+    <p:spTree>
+      <p:nvGrpSpPr>
+        <p:cNvPr id="1" name=""/>
+        <p:cNvGrpSpPr/>
+        <p:nvPr/>
+      </p:nvGrpSpPr>
+      <p:grpSpPr>
+        <a:xfrm>
+          <a:off x="0" y="0"/>
+          <a:ext cx="0" cy="0"/>
+          <a:chOff x="0" y="0"/>
+          <a:chExt cx="0" cy="0"/>
+        </a:xfrm>
+      </p:grpSpPr>
+      <p:sp>
+        <p:nvSpPr>
+          <p:cNvPr id="2" name="Заголовок 1">
+            <a:extLst>
+              <a:ext uri="{FF2B5EF4-FFF2-40B4-BE49-F238E27FC236}">
+                <a16:creationId xmlns:a16="http://schemas.microsoft.com/office/drawing/2014/main" id="{858A5C1F-E5B2-4EC1-9A3C-AAE441DF4D96}"/>
+              </a:ext>
+            </a:extLst>
+          </p:cNvPr>
+          <p:cNvSpPr>
+            <a:spLocks noGrp="1"/>
+          </p:cNvSpPr>
+          <p:nvPr>
+            <p:ph type="title"/>
+          </p:nvPr>
+        </p:nvSpPr>
+        <p:spPr>
+          <a:xfrm>
+            <a:off x="838200" y="176169"/>
+            <a:ext cx="10515600" cy="334424"/>
+          </a:xfrm>
+        </p:spPr>
+        <p:txBody>
+          <a:bodyPr>
+            <a:normAutofit/>
+          </a:bodyPr>
+          <a:lstStyle/>
+          <a:p>
+            <a:pPr algn="ctr"/>
+            <a:r>
+              <a:rPr lang="ru-RU" sz="1400" dirty="0">
+                <a:latin typeface="Times New Roman" panose="02020603050405020304" pitchFamily="18" charset="0"/>
+                <a:cs typeface="Times New Roman" panose="02020603050405020304" pitchFamily="18" charset="0"/>
+              </a:rPr>
+              <a:t>Задача №12</a:t>
+            </a:r>
+          </a:p>
+        </p:txBody>
+      </p:sp>
+      <p:sp>
+        <p:nvSpPr>
+          <p:cNvPr id="3" name="Текст 2">
+            <a:extLst>
+              <a:ext uri="{FF2B5EF4-FFF2-40B4-BE49-F238E27FC236}">
+                <a16:creationId xmlns:a16="http://schemas.microsoft.com/office/drawing/2014/main" id="{7A2822FC-0537-44BF-973E-18E9089D51A2}"/>
+              </a:ext>
+            </a:extLst>
+          </p:cNvPr>
+          <p:cNvSpPr>
+            <a:spLocks noGrp="1"/>
+          </p:cNvSpPr>
+          <p:nvPr>
+            <p:ph type="body" idx="1"/>
+          </p:nvPr>
+        </p:nvSpPr>
+        <p:spPr>
+          <a:xfrm>
+            <a:off x="831850" y="629174"/>
+            <a:ext cx="10515600" cy="5898625"/>
+          </a:xfrm>
+        </p:spPr>
+        <p:txBody>
+          <a:bodyPr>
+            <a:normAutofit/>
+          </a:bodyPr>
+          <a:lstStyle/>
+          <a:p>
+            <a:r>
+              <a:rPr lang="ru-RU" sz="1400" dirty="0">
+                <a:solidFill>
+                  <a:schemeClr val="tx1"/>
+                </a:solidFill>
+                <a:latin typeface="Times New Roman" panose="02020603050405020304" pitchFamily="18" charset="0"/>
+                <a:cs typeface="Times New Roman" panose="02020603050405020304" pitchFamily="18" charset="0"/>
+              </a:rPr>
+              <a:t>Задача</a:t>
+            </a:r>
+          </a:p>
+          <a:p>
+            <a:r>
+              <a:rPr lang="en-US" sz="1400" dirty="0">
+                <a:solidFill>
+                  <a:schemeClr val="tx1"/>
+                </a:solidFill>
+                <a:latin typeface="Times New Roman" panose="02020603050405020304" pitchFamily="18" charset="0"/>
+                <a:cs typeface="Times New Roman" panose="02020603050405020304" pitchFamily="18" charset="0"/>
+                <a:hlinkClick r:id="rId2"/>
+              </a:rPr>
+              <a:t>https://acm.timus.ru/problem.aspx?space=1&amp;num=2066</a:t>
+            </a:r>
+            <a:endParaRPr lang="ru-RU" sz="1400" dirty="0">
+              <a:solidFill>
+                <a:schemeClr val="tx1"/>
+              </a:solidFill>
+              <a:latin typeface="Times New Roman" panose="02020603050405020304" pitchFamily="18" charset="0"/>
+              <a:cs typeface="Times New Roman" panose="02020603050405020304" pitchFamily="18" charset="0"/>
+            </a:endParaRPr>
+          </a:p>
+          <a:p>
+            <a:endParaRPr lang="ru-RU" sz="1400" dirty="0">
+              <a:solidFill>
+                <a:schemeClr val="tx1"/>
+              </a:solidFill>
+              <a:latin typeface="Times New Roman" panose="02020603050405020304" pitchFamily="18" charset="0"/>
+              <a:cs typeface="Times New Roman" panose="02020603050405020304" pitchFamily="18" charset="0"/>
+            </a:endParaRPr>
+          </a:p>
+          <a:p>
+            <a:r>
+              <a:rPr lang="ru-RU" sz="1400" dirty="0">
+                <a:solidFill>
+                  <a:schemeClr val="tx1"/>
+                </a:solidFill>
+                <a:latin typeface="Times New Roman" panose="02020603050405020304" pitchFamily="18" charset="0"/>
+                <a:cs typeface="Times New Roman" panose="02020603050405020304" pitchFamily="18" charset="0"/>
+              </a:rPr>
+              <a:t>Исходный код решения : </a:t>
+            </a:r>
+            <a:r>
+              <a:rPr lang="en-US" sz="1400" dirty="0">
+                <a:solidFill>
+                  <a:schemeClr val="tx1"/>
+                </a:solidFill>
+                <a:latin typeface="Times New Roman" panose="02020603050405020304" pitchFamily="18" charset="0"/>
+                <a:cs typeface="Times New Roman" panose="02020603050405020304" pitchFamily="18" charset="0"/>
+                <a:hlinkClick r:id="rId3"/>
+              </a:rPr>
+              <a:t>https://github.com/Vladnwx/Learn2023-2024/blob/master/src/timus/task_2066/Main.java</a:t>
+            </a:r>
+            <a:endParaRPr lang="ru-RU" sz="1400" dirty="0">
+              <a:solidFill>
+                <a:schemeClr val="tx1"/>
+              </a:solidFill>
+              <a:latin typeface="Times New Roman" panose="02020603050405020304" pitchFamily="18" charset="0"/>
+              <a:cs typeface="Times New Roman" panose="02020603050405020304" pitchFamily="18" charset="0"/>
+            </a:endParaRPr>
+          </a:p>
+          <a:p>
+            <a:endParaRPr lang="ru-RU" sz="1400" dirty="0">
+              <a:solidFill>
+                <a:schemeClr val="tx1"/>
+              </a:solidFill>
+              <a:latin typeface="Times New Roman" panose="02020603050405020304" pitchFamily="18" charset="0"/>
+              <a:cs typeface="Times New Roman" panose="02020603050405020304" pitchFamily="18" charset="0"/>
+            </a:endParaRPr>
+          </a:p>
+        </p:txBody>
+      </p:sp>
+    </p:spTree>
+    <p:extLst>
+      <p:ext uri="{BB962C8B-B14F-4D97-AF65-F5344CB8AC3E}">
+        <p14:creationId xmlns:p14="http://schemas.microsoft.com/office/powerpoint/2010/main" val="1315496733"/>
+      </p:ext>
+    </p:extLst>
+  </p:cSld>
+  <p:clrMapOvr>
+    <a:masterClrMapping/>
+  </p:clrMapOvr>
+</p:sld>
+</file>
+
+<file path=ppt/slides/slide15.xml><?xml version="1.0" encoding="utf-8"?>
+<p:sld xmlns:a="http://schemas.openxmlformats.org/drawingml/2006/main" xmlns:r="http://schemas.openxmlformats.org/officeDocument/2006/relationships" xmlns:p="http://schemas.openxmlformats.org/presentationml/2006/main">
+  <p:cSld>
+    <p:spTree>
+      <p:nvGrpSpPr>
+        <p:cNvPr id="1" name=""/>
+        <p:cNvGrpSpPr/>
+        <p:nvPr/>
+      </p:nvGrpSpPr>
+      <p:grpSpPr>
+        <a:xfrm>
+          <a:off x="0" y="0"/>
+          <a:ext cx="0" cy="0"/>
+          <a:chOff x="0" y="0"/>
+          <a:chExt cx="0" cy="0"/>
+        </a:xfrm>
+      </p:grpSpPr>
+      <p:sp>
+        <p:nvSpPr>
+          <p:cNvPr id="2" name="Заголовок 1">
+            <a:extLst>
+              <a:ext uri="{FF2B5EF4-FFF2-40B4-BE49-F238E27FC236}">
+                <a16:creationId xmlns:a16="http://schemas.microsoft.com/office/drawing/2014/main" id="{858A5C1F-E5B2-4EC1-9A3C-AAE441DF4D96}"/>
+              </a:ext>
+            </a:extLst>
+          </p:cNvPr>
+          <p:cNvSpPr>
+            <a:spLocks noGrp="1"/>
+          </p:cNvSpPr>
+          <p:nvPr>
+            <p:ph type="title"/>
+          </p:nvPr>
+        </p:nvSpPr>
+        <p:spPr>
+          <a:xfrm>
+            <a:off x="838200" y="176169"/>
+            <a:ext cx="10515600" cy="334424"/>
+          </a:xfrm>
+        </p:spPr>
+        <p:txBody>
+          <a:bodyPr>
+            <a:normAutofit/>
+          </a:bodyPr>
+          <a:lstStyle/>
+          <a:p>
+            <a:pPr algn="ctr"/>
+            <a:r>
+              <a:rPr lang="ru-RU" sz="1400" dirty="0">
+                <a:latin typeface="Times New Roman" panose="02020603050405020304" pitchFamily="18" charset="0"/>
+                <a:cs typeface="Times New Roman" panose="02020603050405020304" pitchFamily="18" charset="0"/>
+              </a:rPr>
+              <a:t>Задача №13</a:t>
+            </a:r>
+          </a:p>
+        </p:txBody>
+      </p:sp>
+      <p:sp>
+        <p:nvSpPr>
+          <p:cNvPr id="3" name="Текст 2">
+            <a:extLst>
+              <a:ext uri="{FF2B5EF4-FFF2-40B4-BE49-F238E27FC236}">
+                <a16:creationId xmlns:a16="http://schemas.microsoft.com/office/drawing/2014/main" id="{7A2822FC-0537-44BF-973E-18E9089D51A2}"/>
+              </a:ext>
+            </a:extLst>
+          </p:cNvPr>
+          <p:cNvSpPr>
+            <a:spLocks noGrp="1"/>
+          </p:cNvSpPr>
+          <p:nvPr>
+            <p:ph type="body" idx="1"/>
+          </p:nvPr>
+        </p:nvSpPr>
+        <p:spPr>
+          <a:xfrm>
+            <a:off x="831850" y="629174"/>
+            <a:ext cx="10515600" cy="5898625"/>
+          </a:xfrm>
+        </p:spPr>
+        <p:txBody>
+          <a:bodyPr>
+            <a:normAutofit/>
+          </a:bodyPr>
+          <a:lstStyle/>
+          <a:p>
+            <a:r>
+              <a:rPr lang="ru-RU" sz="1400" dirty="0">
+                <a:solidFill>
+                  <a:schemeClr val="tx1"/>
+                </a:solidFill>
+                <a:latin typeface="Times New Roman" panose="02020603050405020304" pitchFamily="18" charset="0"/>
+                <a:cs typeface="Times New Roman" panose="02020603050405020304" pitchFamily="18" charset="0"/>
+              </a:rPr>
+              <a:t>Задача</a:t>
+            </a:r>
+          </a:p>
+          <a:p>
+            <a:r>
+              <a:rPr lang="en-US" sz="1400" dirty="0">
+                <a:solidFill>
+                  <a:schemeClr val="tx1"/>
+                </a:solidFill>
+                <a:latin typeface="Times New Roman" panose="02020603050405020304" pitchFamily="18" charset="0"/>
+                <a:cs typeface="Times New Roman" panose="02020603050405020304" pitchFamily="18" charset="0"/>
+                <a:hlinkClick r:id="rId2"/>
+              </a:rPr>
+              <a:t>https://acm.timus.ru/problem.aspx?space=1&amp;num=1197</a:t>
+            </a:r>
+            <a:endParaRPr lang="ru-RU" sz="1400" dirty="0">
+              <a:solidFill>
+                <a:schemeClr val="tx1"/>
+              </a:solidFill>
+              <a:latin typeface="Times New Roman" panose="02020603050405020304" pitchFamily="18" charset="0"/>
+              <a:cs typeface="Times New Roman" panose="02020603050405020304" pitchFamily="18" charset="0"/>
+            </a:endParaRPr>
+          </a:p>
+          <a:p>
+            <a:endParaRPr lang="ru-RU" sz="1400" dirty="0">
+              <a:solidFill>
+                <a:schemeClr val="tx1"/>
+              </a:solidFill>
+              <a:latin typeface="Times New Roman" panose="02020603050405020304" pitchFamily="18" charset="0"/>
+              <a:cs typeface="Times New Roman" panose="02020603050405020304" pitchFamily="18" charset="0"/>
+            </a:endParaRPr>
+          </a:p>
+          <a:p>
+            <a:r>
+              <a:rPr lang="ru-RU" sz="1400" dirty="0">
+                <a:solidFill>
+                  <a:schemeClr val="tx1"/>
+                </a:solidFill>
+                <a:latin typeface="Times New Roman" panose="02020603050405020304" pitchFamily="18" charset="0"/>
+                <a:cs typeface="Times New Roman" panose="02020603050405020304" pitchFamily="18" charset="0"/>
+              </a:rPr>
+              <a:t>Исходный код решения : </a:t>
+            </a:r>
+            <a:r>
+              <a:rPr lang="en-US" sz="1400" dirty="0">
+                <a:solidFill>
+                  <a:schemeClr val="tx1"/>
+                </a:solidFill>
+                <a:latin typeface="Times New Roman" panose="02020603050405020304" pitchFamily="18" charset="0"/>
+                <a:cs typeface="Times New Roman" panose="02020603050405020304" pitchFamily="18" charset="0"/>
+                <a:hlinkClick r:id="rId3"/>
+              </a:rPr>
+              <a:t>https://github.com/Vladnwx/Learn2023-2024/blob/master/src/timus/task_1197/Main.java</a:t>
+            </a:r>
+            <a:endParaRPr lang="ru-RU" sz="1400" dirty="0">
+              <a:solidFill>
+                <a:schemeClr val="tx1"/>
+              </a:solidFill>
+              <a:latin typeface="Times New Roman" panose="02020603050405020304" pitchFamily="18" charset="0"/>
+              <a:cs typeface="Times New Roman" panose="02020603050405020304" pitchFamily="18" charset="0"/>
+            </a:endParaRPr>
+          </a:p>
+          <a:p>
+            <a:endParaRPr lang="ru-RU" sz="1400" dirty="0">
+              <a:solidFill>
+                <a:schemeClr val="tx1"/>
+              </a:solidFill>
+              <a:latin typeface="Times New Roman" panose="02020603050405020304" pitchFamily="18" charset="0"/>
+              <a:cs typeface="Times New Roman" panose="02020603050405020304" pitchFamily="18" charset="0"/>
+            </a:endParaRPr>
+          </a:p>
+        </p:txBody>
+      </p:sp>
+    </p:spTree>
+    <p:extLst>
+      <p:ext uri="{BB962C8B-B14F-4D97-AF65-F5344CB8AC3E}">
+        <p14:creationId xmlns:p14="http://schemas.microsoft.com/office/powerpoint/2010/main" val="1719720528"/>
+      </p:ext>
+    </p:extLst>
+  </p:cSld>
+  <p:clrMapOvr>
+    <a:masterClrMapping/>
+  </p:clrMapOvr>
+</p:sld>
+</file>
+
+<file path=ppt/slides/slide16.xml><?xml version="1.0" encoding="utf-8"?>
+<p:sld xmlns:a="http://schemas.openxmlformats.org/drawingml/2006/main" xmlns:r="http://schemas.openxmlformats.org/officeDocument/2006/relationships" xmlns:p="http://schemas.openxmlformats.org/presentationml/2006/main">
+  <p:cSld>
+    <p:spTree>
+      <p:nvGrpSpPr>
+        <p:cNvPr id="1" name=""/>
+        <p:cNvGrpSpPr/>
+        <p:nvPr/>
+      </p:nvGrpSpPr>
+      <p:grpSpPr>
+        <a:xfrm>
+          <a:off x="0" y="0"/>
+          <a:ext cx="0" cy="0"/>
+          <a:chOff x="0" y="0"/>
+          <a:chExt cx="0" cy="0"/>
+        </a:xfrm>
+      </p:grpSpPr>
+      <p:sp>
+        <p:nvSpPr>
+          <p:cNvPr id="2" name="Заголовок 1">
+            <a:extLst>
+              <a:ext uri="{FF2B5EF4-FFF2-40B4-BE49-F238E27FC236}">
+                <a16:creationId xmlns:a16="http://schemas.microsoft.com/office/drawing/2014/main" id="{858A5C1F-E5B2-4EC1-9A3C-AAE441DF4D96}"/>
+              </a:ext>
+            </a:extLst>
+          </p:cNvPr>
+          <p:cNvSpPr>
+            <a:spLocks noGrp="1"/>
+          </p:cNvSpPr>
+          <p:nvPr>
+            <p:ph type="title"/>
+          </p:nvPr>
+        </p:nvSpPr>
+        <p:spPr>
+          <a:xfrm>
+            <a:off x="838200" y="176169"/>
+            <a:ext cx="10515600" cy="334424"/>
+          </a:xfrm>
+        </p:spPr>
+        <p:txBody>
+          <a:bodyPr>
+            <a:normAutofit/>
+          </a:bodyPr>
+          <a:lstStyle/>
+          <a:p>
+            <a:pPr algn="ctr"/>
+            <a:r>
+              <a:rPr lang="ru-RU" sz="1400" dirty="0">
+                <a:latin typeface="Times New Roman" panose="02020603050405020304" pitchFamily="18" charset="0"/>
+                <a:cs typeface="Times New Roman" panose="02020603050405020304" pitchFamily="18" charset="0"/>
+              </a:rPr>
+              <a:t>Задача №14</a:t>
+            </a:r>
+          </a:p>
+        </p:txBody>
+      </p:sp>
+      <p:sp>
+        <p:nvSpPr>
+          <p:cNvPr id="3" name="Текст 2">
+            <a:extLst>
+              <a:ext uri="{FF2B5EF4-FFF2-40B4-BE49-F238E27FC236}">
+                <a16:creationId xmlns:a16="http://schemas.microsoft.com/office/drawing/2014/main" id="{7A2822FC-0537-44BF-973E-18E9089D51A2}"/>
+              </a:ext>
+            </a:extLst>
+          </p:cNvPr>
+          <p:cNvSpPr>
+            <a:spLocks noGrp="1"/>
+          </p:cNvSpPr>
+          <p:nvPr>
+            <p:ph type="body" idx="1"/>
+          </p:nvPr>
+        </p:nvSpPr>
+        <p:spPr>
+          <a:xfrm>
+            <a:off x="831850" y="629174"/>
+            <a:ext cx="10515600" cy="5898625"/>
+          </a:xfrm>
+        </p:spPr>
+        <p:txBody>
+          <a:bodyPr>
+            <a:normAutofit/>
+          </a:bodyPr>
+          <a:lstStyle/>
+          <a:p>
+            <a:r>
+              <a:rPr lang="ru-RU" sz="1400" dirty="0">
+                <a:solidFill>
+                  <a:schemeClr val="tx1"/>
+                </a:solidFill>
+                <a:latin typeface="Times New Roman" panose="02020603050405020304" pitchFamily="18" charset="0"/>
+                <a:cs typeface="Times New Roman" panose="02020603050405020304" pitchFamily="18" charset="0"/>
+              </a:rPr>
+              <a:t>Задача</a:t>
+            </a:r>
+          </a:p>
+          <a:p>
+            <a:r>
+              <a:rPr lang="en-US" sz="1400" dirty="0">
+                <a:solidFill>
+                  <a:schemeClr val="tx1"/>
+                </a:solidFill>
+                <a:latin typeface="Times New Roman" panose="02020603050405020304" pitchFamily="18" charset="0"/>
+                <a:cs typeface="Times New Roman" panose="02020603050405020304" pitchFamily="18" charset="0"/>
+                <a:hlinkClick r:id="rId2"/>
+              </a:rPr>
+              <a:t>https://acm.timus.ru/problem.aspx?space=1&amp;num=2100</a:t>
+            </a:r>
+            <a:endParaRPr lang="ru-RU" sz="1400" dirty="0">
+              <a:solidFill>
+                <a:schemeClr val="tx1"/>
+              </a:solidFill>
+              <a:latin typeface="Times New Roman" panose="02020603050405020304" pitchFamily="18" charset="0"/>
+              <a:cs typeface="Times New Roman" panose="02020603050405020304" pitchFamily="18" charset="0"/>
+            </a:endParaRPr>
+          </a:p>
+          <a:p>
+            <a:endParaRPr lang="ru-RU" sz="1400" dirty="0">
+              <a:solidFill>
+                <a:schemeClr val="tx1"/>
+              </a:solidFill>
+              <a:latin typeface="Times New Roman" panose="02020603050405020304" pitchFamily="18" charset="0"/>
+              <a:cs typeface="Times New Roman" panose="02020603050405020304" pitchFamily="18" charset="0"/>
+            </a:endParaRPr>
+          </a:p>
+          <a:p>
+            <a:r>
+              <a:rPr lang="ru-RU" sz="1400" dirty="0">
+                <a:solidFill>
+                  <a:schemeClr val="tx1"/>
+                </a:solidFill>
+                <a:latin typeface="Times New Roman" panose="02020603050405020304" pitchFamily="18" charset="0"/>
+                <a:cs typeface="Times New Roman" panose="02020603050405020304" pitchFamily="18" charset="0"/>
+              </a:rPr>
+              <a:t>Исходный код решения : </a:t>
+            </a:r>
+            <a:r>
+              <a:rPr lang="en-US" sz="1400" dirty="0">
+                <a:solidFill>
+                  <a:schemeClr val="tx1"/>
+                </a:solidFill>
+                <a:latin typeface="Times New Roman" panose="02020603050405020304" pitchFamily="18" charset="0"/>
+                <a:cs typeface="Times New Roman" panose="02020603050405020304" pitchFamily="18" charset="0"/>
+                <a:hlinkClick r:id="rId3"/>
+              </a:rPr>
+              <a:t>https://github.com/Vladnwx/Learn2023-2024/blob/master/src/timus/task_2100/Main.java</a:t>
+            </a:r>
+            <a:endParaRPr lang="ru-RU" sz="1400" dirty="0">
+              <a:solidFill>
+                <a:schemeClr val="tx1"/>
+              </a:solidFill>
+              <a:latin typeface="Times New Roman" panose="02020603050405020304" pitchFamily="18" charset="0"/>
+              <a:cs typeface="Times New Roman" panose="02020603050405020304" pitchFamily="18" charset="0"/>
+            </a:endParaRPr>
+          </a:p>
+          <a:p>
+            <a:endParaRPr lang="ru-RU" sz="1400" dirty="0">
+              <a:solidFill>
+                <a:schemeClr val="tx1"/>
+              </a:solidFill>
+              <a:latin typeface="Times New Roman" panose="02020603050405020304" pitchFamily="18" charset="0"/>
+              <a:cs typeface="Times New Roman" panose="02020603050405020304" pitchFamily="18" charset="0"/>
+            </a:endParaRPr>
+          </a:p>
+        </p:txBody>
+      </p:sp>
+    </p:spTree>
+    <p:extLst>
+      <p:ext uri="{BB962C8B-B14F-4D97-AF65-F5344CB8AC3E}">
+        <p14:creationId xmlns:p14="http://schemas.microsoft.com/office/powerpoint/2010/main" val="2280336443"/>
+      </p:ext>
+    </p:extLst>
+  </p:cSld>
+  <p:clrMapOvr>
+    <a:masterClrMapping/>
+  </p:clrMapOvr>
+</p:sld>
+</file>
+
+<file path=ppt/slides/slide17.xml><?xml version="1.0" encoding="utf-8"?>
+<p:sld xmlns:a="http://schemas.openxmlformats.org/drawingml/2006/main" xmlns:r="http://schemas.openxmlformats.org/officeDocument/2006/relationships" xmlns:p="http://schemas.openxmlformats.org/presentationml/2006/main">
+  <p:cSld>
+    <p:spTree>
+      <p:nvGrpSpPr>
+        <p:cNvPr id="1" name=""/>
+        <p:cNvGrpSpPr/>
+        <p:nvPr/>
+      </p:nvGrpSpPr>
+      <p:grpSpPr>
+        <a:xfrm>
+          <a:off x="0" y="0"/>
+          <a:ext cx="0" cy="0"/>
+          <a:chOff x="0" y="0"/>
+          <a:chExt cx="0" cy="0"/>
+        </a:xfrm>
+      </p:grpSpPr>
+      <p:sp>
+        <p:nvSpPr>
+          <p:cNvPr id="2" name="Заголовок 1">
+            <a:extLst>
+              <a:ext uri="{FF2B5EF4-FFF2-40B4-BE49-F238E27FC236}">
+                <a16:creationId xmlns:a16="http://schemas.microsoft.com/office/drawing/2014/main" id="{858A5C1F-E5B2-4EC1-9A3C-AAE441DF4D96}"/>
+              </a:ext>
+            </a:extLst>
+          </p:cNvPr>
+          <p:cNvSpPr>
+            <a:spLocks noGrp="1"/>
+          </p:cNvSpPr>
+          <p:nvPr>
+            <p:ph type="title"/>
+          </p:nvPr>
+        </p:nvSpPr>
+        <p:spPr>
+          <a:xfrm>
+            <a:off x="838200" y="176169"/>
+            <a:ext cx="10515600" cy="334424"/>
+          </a:xfrm>
+        </p:spPr>
+        <p:txBody>
+          <a:bodyPr>
+            <a:normAutofit/>
+          </a:bodyPr>
+          <a:lstStyle/>
+          <a:p>
+            <a:pPr algn="ctr"/>
+            <a:r>
+              <a:rPr lang="ru-RU" sz="1400" dirty="0">
+                <a:latin typeface="Times New Roman" panose="02020603050405020304" pitchFamily="18" charset="0"/>
+                <a:cs typeface="Times New Roman" panose="02020603050405020304" pitchFamily="18" charset="0"/>
+              </a:rPr>
+              <a:t>Задача №15</a:t>
+            </a:r>
+          </a:p>
+        </p:txBody>
+      </p:sp>
+      <p:sp>
+        <p:nvSpPr>
+          <p:cNvPr id="3" name="Текст 2">
+            <a:extLst>
+              <a:ext uri="{FF2B5EF4-FFF2-40B4-BE49-F238E27FC236}">
+                <a16:creationId xmlns:a16="http://schemas.microsoft.com/office/drawing/2014/main" id="{7A2822FC-0537-44BF-973E-18E9089D51A2}"/>
+              </a:ext>
+            </a:extLst>
+          </p:cNvPr>
+          <p:cNvSpPr>
+            <a:spLocks noGrp="1"/>
+          </p:cNvSpPr>
+          <p:nvPr>
+            <p:ph type="body" idx="1"/>
+          </p:nvPr>
+        </p:nvSpPr>
+        <p:spPr>
+          <a:xfrm>
+            <a:off x="831850" y="629174"/>
+            <a:ext cx="10515600" cy="5898625"/>
+          </a:xfrm>
+        </p:spPr>
+        <p:txBody>
+          <a:bodyPr>
+            <a:normAutofit/>
+          </a:bodyPr>
+          <a:lstStyle/>
+          <a:p>
+            <a:r>
+              <a:rPr lang="ru-RU" sz="1400" dirty="0">
+                <a:solidFill>
+                  <a:schemeClr val="tx1"/>
+                </a:solidFill>
+                <a:latin typeface="Times New Roman" panose="02020603050405020304" pitchFamily="18" charset="0"/>
+                <a:cs typeface="Times New Roman" panose="02020603050405020304" pitchFamily="18" charset="0"/>
+              </a:rPr>
+              <a:t>Задача</a:t>
+            </a:r>
+          </a:p>
+          <a:p>
+            <a:r>
+              <a:rPr lang="en-US" sz="1400" dirty="0">
+                <a:solidFill>
+                  <a:schemeClr val="tx1"/>
+                </a:solidFill>
+                <a:latin typeface="Times New Roman" panose="02020603050405020304" pitchFamily="18" charset="0"/>
+                <a:cs typeface="Times New Roman" panose="02020603050405020304" pitchFamily="18" charset="0"/>
+                <a:hlinkClick r:id="rId2"/>
+              </a:rPr>
+              <a:t>https://acm.timus.ru/problem.aspx?space=1&amp;num=1880</a:t>
+            </a:r>
+            <a:endParaRPr lang="ru-RU" sz="1400" dirty="0">
+              <a:solidFill>
+                <a:schemeClr val="tx1"/>
+              </a:solidFill>
+              <a:latin typeface="Times New Roman" panose="02020603050405020304" pitchFamily="18" charset="0"/>
+              <a:cs typeface="Times New Roman" panose="02020603050405020304" pitchFamily="18" charset="0"/>
+            </a:endParaRPr>
+          </a:p>
+          <a:p>
+            <a:endParaRPr lang="ru-RU" sz="1400" dirty="0">
+              <a:solidFill>
+                <a:schemeClr val="tx1"/>
+              </a:solidFill>
+              <a:latin typeface="Times New Roman" panose="02020603050405020304" pitchFamily="18" charset="0"/>
+              <a:cs typeface="Times New Roman" panose="02020603050405020304" pitchFamily="18" charset="0"/>
+            </a:endParaRPr>
+          </a:p>
+          <a:p>
+            <a:r>
+              <a:rPr lang="ru-RU" sz="1400" dirty="0">
+                <a:solidFill>
+                  <a:schemeClr val="tx1"/>
+                </a:solidFill>
+                <a:latin typeface="Times New Roman" panose="02020603050405020304" pitchFamily="18" charset="0"/>
+                <a:cs typeface="Times New Roman" panose="02020603050405020304" pitchFamily="18" charset="0"/>
+              </a:rPr>
+              <a:t>Исходный код решения : </a:t>
+            </a:r>
+            <a:r>
+              <a:rPr lang="en-US" sz="1400" dirty="0">
+                <a:solidFill>
+                  <a:schemeClr val="tx1"/>
+                </a:solidFill>
+                <a:latin typeface="Times New Roman" panose="02020603050405020304" pitchFamily="18" charset="0"/>
+                <a:cs typeface="Times New Roman" panose="02020603050405020304" pitchFamily="18" charset="0"/>
+                <a:hlinkClick r:id="rId3"/>
+              </a:rPr>
+              <a:t>https://github.com/Vladnwx/Learn2023-2024/blob/master/src/timus/task_1880/Main.java</a:t>
+            </a:r>
+            <a:endParaRPr lang="ru-RU" sz="1400" dirty="0">
+              <a:solidFill>
+                <a:schemeClr val="tx1"/>
+              </a:solidFill>
+              <a:latin typeface="Times New Roman" panose="02020603050405020304" pitchFamily="18" charset="0"/>
+              <a:cs typeface="Times New Roman" panose="02020603050405020304" pitchFamily="18" charset="0"/>
+            </a:endParaRPr>
+          </a:p>
+          <a:p>
+            <a:endParaRPr lang="ru-RU" sz="1400" dirty="0">
+              <a:solidFill>
+                <a:schemeClr val="tx1"/>
+              </a:solidFill>
+              <a:latin typeface="Times New Roman" panose="02020603050405020304" pitchFamily="18" charset="0"/>
+              <a:cs typeface="Times New Roman" panose="02020603050405020304" pitchFamily="18" charset="0"/>
+            </a:endParaRPr>
+          </a:p>
+        </p:txBody>
+      </p:sp>
+    </p:spTree>
+    <p:extLst>
+      <p:ext uri="{BB962C8B-B14F-4D97-AF65-F5344CB8AC3E}">
+        <p14:creationId xmlns:p14="http://schemas.microsoft.com/office/powerpoint/2010/main" val="3949084849"/>
+      </p:ext>
+    </p:extLst>
+  </p:cSld>
+  <p:clrMapOvr>
+    <a:masterClrMapping/>
+  </p:clrMapOvr>
+</p:sld>
+</file>
+
+<file path=ppt/slides/slide18.xml><?xml version="1.0" encoding="utf-8"?>
+<p:sld xmlns:a="http://schemas.openxmlformats.org/drawingml/2006/main" xmlns:r="http://schemas.openxmlformats.org/officeDocument/2006/relationships" xmlns:p="http://schemas.openxmlformats.org/presentationml/2006/main">
+  <p:cSld>
+    <p:spTree>
+      <p:nvGrpSpPr>
+        <p:cNvPr id="1" name=""/>
+        <p:cNvGrpSpPr/>
+        <p:nvPr/>
+      </p:nvGrpSpPr>
+      <p:grpSpPr>
+        <a:xfrm>
+          <a:off x="0" y="0"/>
+          <a:ext cx="0" cy="0"/>
+          <a:chOff x="0" y="0"/>
+          <a:chExt cx="0" cy="0"/>
+        </a:xfrm>
+      </p:grpSpPr>
+      <p:sp>
+        <p:nvSpPr>
+          <p:cNvPr id="2" name="Заголовок 1">
+            <a:extLst>
+              <a:ext uri="{FF2B5EF4-FFF2-40B4-BE49-F238E27FC236}">
+                <a16:creationId xmlns:a16="http://schemas.microsoft.com/office/drawing/2014/main" id="{858A5C1F-E5B2-4EC1-9A3C-AAE441DF4D96}"/>
+              </a:ext>
+            </a:extLst>
+          </p:cNvPr>
+          <p:cNvSpPr>
+            <a:spLocks noGrp="1"/>
+          </p:cNvSpPr>
+          <p:nvPr>
+            <p:ph type="title"/>
+          </p:nvPr>
+        </p:nvSpPr>
+        <p:spPr>
+          <a:xfrm>
+            <a:off x="838200" y="176169"/>
+            <a:ext cx="10515600" cy="334424"/>
+          </a:xfrm>
+        </p:spPr>
+        <p:txBody>
+          <a:bodyPr>
+            <a:normAutofit/>
+          </a:bodyPr>
+          <a:lstStyle/>
+          <a:p>
+            <a:pPr algn="ctr"/>
+            <a:r>
+              <a:rPr lang="ru-RU" sz="1400" dirty="0">
+                <a:latin typeface="Times New Roman" panose="02020603050405020304" pitchFamily="18" charset="0"/>
+                <a:cs typeface="Times New Roman" panose="02020603050405020304" pitchFamily="18" charset="0"/>
+              </a:rPr>
+              <a:t>Задача №16</a:t>
+            </a:r>
+          </a:p>
+        </p:txBody>
+      </p:sp>
+      <p:sp>
+        <p:nvSpPr>
+          <p:cNvPr id="3" name="Текст 2">
+            <a:extLst>
+              <a:ext uri="{FF2B5EF4-FFF2-40B4-BE49-F238E27FC236}">
+                <a16:creationId xmlns:a16="http://schemas.microsoft.com/office/drawing/2014/main" id="{7A2822FC-0537-44BF-973E-18E9089D51A2}"/>
+              </a:ext>
+            </a:extLst>
+          </p:cNvPr>
+          <p:cNvSpPr>
+            <a:spLocks noGrp="1"/>
+          </p:cNvSpPr>
+          <p:nvPr>
+            <p:ph type="body" idx="1"/>
+          </p:nvPr>
+        </p:nvSpPr>
+        <p:spPr>
+          <a:xfrm>
+            <a:off x="831850" y="629174"/>
+            <a:ext cx="10515600" cy="5898625"/>
+          </a:xfrm>
+        </p:spPr>
+        <p:txBody>
+          <a:bodyPr>
+            <a:normAutofit/>
+          </a:bodyPr>
+          <a:lstStyle/>
+          <a:p>
+            <a:r>
+              <a:rPr lang="ru-RU" sz="1400" dirty="0">
+                <a:solidFill>
+                  <a:schemeClr val="tx1"/>
+                </a:solidFill>
+                <a:latin typeface="Times New Roman" panose="02020603050405020304" pitchFamily="18" charset="0"/>
+                <a:cs typeface="Times New Roman" panose="02020603050405020304" pitchFamily="18" charset="0"/>
+              </a:rPr>
+              <a:t>Задача</a:t>
+            </a:r>
+          </a:p>
+          <a:p>
+            <a:r>
+              <a:rPr lang="en-US" sz="1400" dirty="0">
+                <a:solidFill>
+                  <a:schemeClr val="tx1"/>
+                </a:solidFill>
+                <a:latin typeface="Times New Roman" panose="02020603050405020304" pitchFamily="18" charset="0"/>
+                <a:cs typeface="Times New Roman" panose="02020603050405020304" pitchFamily="18" charset="0"/>
+                <a:hlinkClick r:id="rId2"/>
+              </a:rPr>
+              <a:t>https://acm.timus.ru/problem.aspx?space=1&amp;num=1639</a:t>
+            </a:r>
+            <a:endParaRPr lang="ru-RU" sz="1400" dirty="0">
+              <a:solidFill>
+                <a:schemeClr val="tx1"/>
+              </a:solidFill>
+              <a:latin typeface="Times New Roman" panose="02020603050405020304" pitchFamily="18" charset="0"/>
+              <a:cs typeface="Times New Roman" panose="02020603050405020304" pitchFamily="18" charset="0"/>
+            </a:endParaRPr>
+          </a:p>
+          <a:p>
+            <a:endParaRPr lang="ru-RU" sz="1400" dirty="0">
+              <a:solidFill>
+                <a:schemeClr val="tx1"/>
+              </a:solidFill>
+              <a:latin typeface="Times New Roman" panose="02020603050405020304" pitchFamily="18" charset="0"/>
+              <a:cs typeface="Times New Roman" panose="02020603050405020304" pitchFamily="18" charset="0"/>
+            </a:endParaRPr>
+          </a:p>
+          <a:p>
+            <a:r>
+              <a:rPr lang="ru-RU" sz="1400" dirty="0">
+                <a:solidFill>
+                  <a:schemeClr val="tx1"/>
+                </a:solidFill>
+                <a:latin typeface="Times New Roman" panose="02020603050405020304" pitchFamily="18" charset="0"/>
+                <a:cs typeface="Times New Roman" panose="02020603050405020304" pitchFamily="18" charset="0"/>
+              </a:rPr>
+              <a:t>Исходный код решения : </a:t>
+            </a:r>
+            <a:r>
+              <a:rPr lang="en-US" sz="1400" dirty="0">
+                <a:solidFill>
+                  <a:schemeClr val="tx1"/>
+                </a:solidFill>
+                <a:latin typeface="Times New Roman" panose="02020603050405020304" pitchFamily="18" charset="0"/>
+                <a:cs typeface="Times New Roman" panose="02020603050405020304" pitchFamily="18" charset="0"/>
+                <a:hlinkClick r:id="rId3"/>
+              </a:rPr>
+              <a:t>https://github.com/Vladnwx/Learn2023-2024/blob/master/src/timus/task_1639/Main.java</a:t>
+            </a:r>
+            <a:endParaRPr lang="ru-RU" sz="1400" dirty="0">
+              <a:solidFill>
+                <a:schemeClr val="tx1"/>
+              </a:solidFill>
+              <a:latin typeface="Times New Roman" panose="02020603050405020304" pitchFamily="18" charset="0"/>
+              <a:cs typeface="Times New Roman" panose="02020603050405020304" pitchFamily="18" charset="0"/>
+            </a:endParaRPr>
+          </a:p>
+          <a:p>
+            <a:endParaRPr lang="ru-RU" sz="1400" dirty="0">
+              <a:solidFill>
+                <a:schemeClr val="tx1"/>
+              </a:solidFill>
+              <a:latin typeface="Times New Roman" panose="02020603050405020304" pitchFamily="18" charset="0"/>
+              <a:cs typeface="Times New Roman" panose="02020603050405020304" pitchFamily="18" charset="0"/>
+            </a:endParaRPr>
+          </a:p>
+        </p:txBody>
+      </p:sp>
+    </p:spTree>
+    <p:extLst>
+      <p:ext uri="{BB962C8B-B14F-4D97-AF65-F5344CB8AC3E}">
+        <p14:creationId xmlns:p14="http://schemas.microsoft.com/office/powerpoint/2010/main" val="643264907"/>
+      </p:ext>
+    </p:extLst>
+  </p:cSld>
+  <p:clrMapOvr>
+    <a:masterClrMapping/>
+  </p:clrMapOvr>
+</p:sld>
+</file>
+
+<file path=ppt/slides/slide19.xml><?xml version="1.0" encoding="utf-8"?>
+<p:sld xmlns:a="http://schemas.openxmlformats.org/drawingml/2006/main" xmlns:r="http://schemas.openxmlformats.org/officeDocument/2006/relationships" xmlns:p="http://schemas.openxmlformats.org/presentationml/2006/main">
+  <p:cSld>
+    <p:spTree>
+      <p:nvGrpSpPr>
+        <p:cNvPr id="1" name=""/>
+        <p:cNvGrpSpPr/>
+        <p:nvPr/>
+      </p:nvGrpSpPr>
+      <p:grpSpPr>
+        <a:xfrm>
+          <a:off x="0" y="0"/>
+          <a:ext cx="0" cy="0"/>
+          <a:chOff x="0" y="0"/>
+          <a:chExt cx="0" cy="0"/>
+        </a:xfrm>
+      </p:grpSpPr>
+      <p:sp>
+        <p:nvSpPr>
+          <p:cNvPr id="2" name="Заголовок 1">
+            <a:extLst>
+              <a:ext uri="{FF2B5EF4-FFF2-40B4-BE49-F238E27FC236}">
+                <a16:creationId xmlns:a16="http://schemas.microsoft.com/office/drawing/2014/main" id="{858A5C1F-E5B2-4EC1-9A3C-AAE441DF4D96}"/>
+              </a:ext>
+            </a:extLst>
+          </p:cNvPr>
+          <p:cNvSpPr>
+            <a:spLocks noGrp="1"/>
+          </p:cNvSpPr>
+          <p:nvPr>
+            <p:ph type="title"/>
+          </p:nvPr>
+        </p:nvSpPr>
+        <p:spPr>
+          <a:xfrm>
+            <a:off x="838200" y="176169"/>
+            <a:ext cx="10515600" cy="334424"/>
+          </a:xfrm>
+        </p:spPr>
+        <p:txBody>
+          <a:bodyPr>
+            <a:normAutofit/>
+          </a:bodyPr>
+          <a:lstStyle/>
+          <a:p>
+            <a:pPr algn="ctr"/>
+            <a:r>
+              <a:rPr lang="ru-RU" sz="1400" dirty="0">
+                <a:latin typeface="Times New Roman" panose="02020603050405020304" pitchFamily="18" charset="0"/>
+                <a:cs typeface="Times New Roman" panose="02020603050405020304" pitchFamily="18" charset="0"/>
+              </a:rPr>
+              <a:t>Задача №17</a:t>
+            </a:r>
+          </a:p>
+        </p:txBody>
+      </p:sp>
+      <p:sp>
+        <p:nvSpPr>
+          <p:cNvPr id="3" name="Текст 2">
+            <a:extLst>
+              <a:ext uri="{FF2B5EF4-FFF2-40B4-BE49-F238E27FC236}">
+                <a16:creationId xmlns:a16="http://schemas.microsoft.com/office/drawing/2014/main" id="{7A2822FC-0537-44BF-973E-18E9089D51A2}"/>
+              </a:ext>
+            </a:extLst>
+          </p:cNvPr>
+          <p:cNvSpPr>
+            <a:spLocks noGrp="1"/>
+          </p:cNvSpPr>
+          <p:nvPr>
+            <p:ph type="body" idx="1"/>
+          </p:nvPr>
+        </p:nvSpPr>
+        <p:spPr>
+          <a:xfrm>
+            <a:off x="831850" y="629174"/>
+            <a:ext cx="10515600" cy="5898625"/>
+          </a:xfrm>
+        </p:spPr>
+        <p:txBody>
+          <a:bodyPr>
+            <a:normAutofit/>
+          </a:bodyPr>
+          <a:lstStyle/>
+          <a:p>
+            <a:r>
+              <a:rPr lang="ru-RU" sz="1400" dirty="0">
+                <a:solidFill>
+                  <a:schemeClr val="tx1"/>
+                </a:solidFill>
+                <a:latin typeface="Times New Roman" panose="02020603050405020304" pitchFamily="18" charset="0"/>
+                <a:cs typeface="Times New Roman" panose="02020603050405020304" pitchFamily="18" charset="0"/>
+              </a:rPr>
+              <a:t>Задача</a:t>
+            </a:r>
+          </a:p>
+          <a:p>
+            <a:r>
+              <a:rPr lang="en-US" sz="1400" dirty="0">
+                <a:solidFill>
+                  <a:schemeClr val="tx1"/>
+                </a:solidFill>
+                <a:latin typeface="Times New Roman" panose="02020603050405020304" pitchFamily="18" charset="0"/>
+                <a:cs typeface="Times New Roman" panose="02020603050405020304" pitchFamily="18" charset="0"/>
+                <a:hlinkClick r:id="rId2"/>
+              </a:rPr>
+              <a:t>https://acm.timus.ru/problem.aspx?space=1&amp;num=1910</a:t>
+            </a:r>
+            <a:endParaRPr lang="ru-RU" sz="1400" dirty="0">
+              <a:solidFill>
+                <a:schemeClr val="tx1"/>
+              </a:solidFill>
+              <a:latin typeface="Times New Roman" panose="02020603050405020304" pitchFamily="18" charset="0"/>
+              <a:cs typeface="Times New Roman" panose="02020603050405020304" pitchFamily="18" charset="0"/>
+            </a:endParaRPr>
+          </a:p>
+          <a:p>
+            <a:endParaRPr lang="ru-RU" sz="1400" dirty="0">
+              <a:solidFill>
+                <a:schemeClr val="tx1"/>
+              </a:solidFill>
+              <a:latin typeface="Times New Roman" panose="02020603050405020304" pitchFamily="18" charset="0"/>
+              <a:cs typeface="Times New Roman" panose="02020603050405020304" pitchFamily="18" charset="0"/>
+            </a:endParaRPr>
+          </a:p>
+          <a:p>
+            <a:r>
+              <a:rPr lang="ru-RU" sz="1400" dirty="0">
+                <a:solidFill>
+                  <a:schemeClr val="tx1"/>
+                </a:solidFill>
+                <a:latin typeface="Times New Roman" panose="02020603050405020304" pitchFamily="18" charset="0"/>
+                <a:cs typeface="Times New Roman" panose="02020603050405020304" pitchFamily="18" charset="0"/>
+              </a:rPr>
+              <a:t>Исходный код решения : </a:t>
+            </a:r>
+            <a:r>
+              <a:rPr lang="en-US" sz="1400" dirty="0">
+                <a:solidFill>
+                  <a:schemeClr val="tx1"/>
+                </a:solidFill>
+                <a:latin typeface="Times New Roman" panose="02020603050405020304" pitchFamily="18" charset="0"/>
+                <a:cs typeface="Times New Roman" panose="02020603050405020304" pitchFamily="18" charset="0"/>
+                <a:hlinkClick r:id="rId3"/>
+              </a:rPr>
+              <a:t>https://github.com/Vladnwx/Learn2023-2024/blob/master/src/timus/task_1910/Main.java</a:t>
+            </a:r>
+            <a:endParaRPr lang="ru-RU" sz="1400" dirty="0">
+              <a:solidFill>
+                <a:schemeClr val="tx1"/>
+              </a:solidFill>
+              <a:latin typeface="Times New Roman" panose="02020603050405020304" pitchFamily="18" charset="0"/>
+              <a:cs typeface="Times New Roman" panose="02020603050405020304" pitchFamily="18" charset="0"/>
+            </a:endParaRPr>
+          </a:p>
+          <a:p>
+            <a:endParaRPr lang="ru-RU" sz="1400" dirty="0">
+              <a:solidFill>
+                <a:schemeClr val="tx1"/>
+              </a:solidFill>
+              <a:latin typeface="Times New Roman" panose="02020603050405020304" pitchFamily="18" charset="0"/>
+              <a:cs typeface="Times New Roman" panose="02020603050405020304" pitchFamily="18" charset="0"/>
+            </a:endParaRPr>
+          </a:p>
+          <a:p>
+            <a:endParaRPr lang="ru-RU" sz="1400" dirty="0">
+              <a:solidFill>
+                <a:schemeClr val="tx1"/>
+              </a:solidFill>
+              <a:latin typeface="Times New Roman" panose="02020603050405020304" pitchFamily="18" charset="0"/>
+              <a:cs typeface="Times New Roman" panose="02020603050405020304" pitchFamily="18" charset="0"/>
+            </a:endParaRPr>
+          </a:p>
+        </p:txBody>
+      </p:sp>
+    </p:spTree>
+    <p:extLst>
+      <p:ext uri="{BB962C8B-B14F-4D97-AF65-F5344CB8AC3E}">
+        <p14:creationId xmlns:p14="http://schemas.microsoft.com/office/powerpoint/2010/main" val="1263780044"/>
       </p:ext>
     </p:extLst>
   </p:cSld>
@@ -4350,7 +5474,7 @@
                 <a:latin typeface="Times New Roman" panose="02020603050405020304" pitchFamily="18" charset="0"/>
                 <a:cs typeface="Times New Roman" panose="02020603050405020304" pitchFamily="18" charset="0"/>
               </a:rPr>
-              <a:t>Получить представление о работе с операторами и одномерными массивами в языке программирования Java, а также решение задач на сайте timus.</a:t>
+              <a:t>Решение задач на сайте timus.</a:t>
             </a:r>
           </a:p>
         </p:txBody>
@@ -4359,6 +5483,585 @@
     <p:extLst>
       <p:ext uri="{BB962C8B-B14F-4D97-AF65-F5344CB8AC3E}">
         <p14:creationId xmlns:p14="http://schemas.microsoft.com/office/powerpoint/2010/main" val="2427791428"/>
+      </p:ext>
+    </p:extLst>
+  </p:cSld>
+  <p:clrMapOvr>
+    <a:masterClrMapping/>
+  </p:clrMapOvr>
+</p:sld>
+</file>
+
+<file path=ppt/slides/slide20.xml><?xml version="1.0" encoding="utf-8"?>
+<p:sld xmlns:a="http://schemas.openxmlformats.org/drawingml/2006/main" xmlns:r="http://schemas.openxmlformats.org/officeDocument/2006/relationships" xmlns:p="http://schemas.openxmlformats.org/presentationml/2006/main">
+  <p:cSld>
+    <p:spTree>
+      <p:nvGrpSpPr>
+        <p:cNvPr id="1" name=""/>
+        <p:cNvGrpSpPr/>
+        <p:nvPr/>
+      </p:nvGrpSpPr>
+      <p:grpSpPr>
+        <a:xfrm>
+          <a:off x="0" y="0"/>
+          <a:ext cx="0" cy="0"/>
+          <a:chOff x="0" y="0"/>
+          <a:chExt cx="0" cy="0"/>
+        </a:xfrm>
+      </p:grpSpPr>
+      <p:sp>
+        <p:nvSpPr>
+          <p:cNvPr id="2" name="Заголовок 1">
+            <a:extLst>
+              <a:ext uri="{FF2B5EF4-FFF2-40B4-BE49-F238E27FC236}">
+                <a16:creationId xmlns:a16="http://schemas.microsoft.com/office/drawing/2014/main" id="{858A5C1F-E5B2-4EC1-9A3C-AAE441DF4D96}"/>
+              </a:ext>
+            </a:extLst>
+          </p:cNvPr>
+          <p:cNvSpPr>
+            <a:spLocks noGrp="1"/>
+          </p:cNvSpPr>
+          <p:nvPr>
+            <p:ph type="title"/>
+          </p:nvPr>
+        </p:nvSpPr>
+        <p:spPr>
+          <a:xfrm>
+            <a:off x="838200" y="176169"/>
+            <a:ext cx="10515600" cy="334424"/>
+          </a:xfrm>
+        </p:spPr>
+        <p:txBody>
+          <a:bodyPr>
+            <a:normAutofit/>
+          </a:bodyPr>
+          <a:lstStyle/>
+          <a:p>
+            <a:pPr algn="ctr"/>
+            <a:r>
+              <a:rPr lang="ru-RU" sz="1400" dirty="0">
+                <a:latin typeface="Times New Roman" panose="02020603050405020304" pitchFamily="18" charset="0"/>
+                <a:cs typeface="Times New Roman" panose="02020603050405020304" pitchFamily="18" charset="0"/>
+              </a:rPr>
+              <a:t>Задача №18</a:t>
+            </a:r>
+          </a:p>
+        </p:txBody>
+      </p:sp>
+      <p:sp>
+        <p:nvSpPr>
+          <p:cNvPr id="3" name="Текст 2">
+            <a:extLst>
+              <a:ext uri="{FF2B5EF4-FFF2-40B4-BE49-F238E27FC236}">
+                <a16:creationId xmlns:a16="http://schemas.microsoft.com/office/drawing/2014/main" id="{7A2822FC-0537-44BF-973E-18E9089D51A2}"/>
+              </a:ext>
+            </a:extLst>
+          </p:cNvPr>
+          <p:cNvSpPr>
+            <a:spLocks noGrp="1"/>
+          </p:cNvSpPr>
+          <p:nvPr>
+            <p:ph type="body" idx="1"/>
+          </p:nvPr>
+        </p:nvSpPr>
+        <p:spPr>
+          <a:xfrm>
+            <a:off x="831850" y="629174"/>
+            <a:ext cx="10515600" cy="5898625"/>
+          </a:xfrm>
+        </p:spPr>
+        <p:txBody>
+          <a:bodyPr>
+            <a:normAutofit/>
+          </a:bodyPr>
+          <a:lstStyle/>
+          <a:p>
+            <a:r>
+              <a:rPr lang="ru-RU" sz="1400" dirty="0">
+                <a:solidFill>
+                  <a:schemeClr val="tx1"/>
+                </a:solidFill>
+                <a:latin typeface="Times New Roman" panose="02020603050405020304" pitchFamily="18" charset="0"/>
+                <a:cs typeface="Times New Roman" panose="02020603050405020304" pitchFamily="18" charset="0"/>
+              </a:rPr>
+              <a:t>Задача</a:t>
+            </a:r>
+          </a:p>
+          <a:p>
+            <a:r>
+              <a:rPr lang="en-US" sz="1400" dirty="0">
+                <a:solidFill>
+                  <a:schemeClr val="tx1"/>
+                </a:solidFill>
+                <a:latin typeface="Times New Roman" panose="02020603050405020304" pitchFamily="18" charset="0"/>
+                <a:cs typeface="Times New Roman" panose="02020603050405020304" pitchFamily="18" charset="0"/>
+                <a:hlinkClick r:id="rId2"/>
+              </a:rPr>
+              <a:t>https://acm.timus.ru/problem.aspx?space=1&amp;num=1209</a:t>
+            </a:r>
+            <a:endParaRPr lang="ru-RU" sz="1400" dirty="0">
+              <a:solidFill>
+                <a:schemeClr val="tx1"/>
+              </a:solidFill>
+              <a:latin typeface="Times New Roman" panose="02020603050405020304" pitchFamily="18" charset="0"/>
+              <a:cs typeface="Times New Roman" panose="02020603050405020304" pitchFamily="18" charset="0"/>
+            </a:endParaRPr>
+          </a:p>
+          <a:p>
+            <a:endParaRPr lang="ru-RU" sz="1400" dirty="0">
+              <a:solidFill>
+                <a:schemeClr val="tx1"/>
+              </a:solidFill>
+              <a:latin typeface="Times New Roman" panose="02020603050405020304" pitchFamily="18" charset="0"/>
+              <a:cs typeface="Times New Roman" panose="02020603050405020304" pitchFamily="18" charset="0"/>
+            </a:endParaRPr>
+          </a:p>
+          <a:p>
+            <a:r>
+              <a:rPr lang="ru-RU" sz="1400" dirty="0">
+                <a:solidFill>
+                  <a:schemeClr val="tx1"/>
+                </a:solidFill>
+                <a:latin typeface="Times New Roman" panose="02020603050405020304" pitchFamily="18" charset="0"/>
+                <a:cs typeface="Times New Roman" panose="02020603050405020304" pitchFamily="18" charset="0"/>
+              </a:rPr>
+              <a:t>Исходный код решения : </a:t>
+            </a:r>
+            <a:r>
+              <a:rPr lang="en-US" sz="1400" dirty="0">
+                <a:solidFill>
+                  <a:schemeClr val="tx1"/>
+                </a:solidFill>
+                <a:latin typeface="Times New Roman" panose="02020603050405020304" pitchFamily="18" charset="0"/>
+                <a:cs typeface="Times New Roman" panose="02020603050405020304" pitchFamily="18" charset="0"/>
+                <a:hlinkClick r:id="rId3"/>
+              </a:rPr>
+              <a:t>https://github.com/Vladnwx/Learn2023-2024/blob/master/src/timus/task_1209/Main.java</a:t>
+            </a:r>
+            <a:endParaRPr lang="ru-RU" sz="1400" dirty="0">
+              <a:solidFill>
+                <a:schemeClr val="tx1"/>
+              </a:solidFill>
+              <a:latin typeface="Times New Roman" panose="02020603050405020304" pitchFamily="18" charset="0"/>
+              <a:cs typeface="Times New Roman" panose="02020603050405020304" pitchFamily="18" charset="0"/>
+            </a:endParaRPr>
+          </a:p>
+          <a:p>
+            <a:endParaRPr lang="ru-RU" sz="1400" dirty="0">
+              <a:solidFill>
+                <a:schemeClr val="tx1"/>
+              </a:solidFill>
+              <a:latin typeface="Times New Roman" panose="02020603050405020304" pitchFamily="18" charset="0"/>
+              <a:cs typeface="Times New Roman" panose="02020603050405020304" pitchFamily="18" charset="0"/>
+            </a:endParaRPr>
+          </a:p>
+          <a:p>
+            <a:endParaRPr lang="ru-RU" sz="1400" dirty="0">
+              <a:solidFill>
+                <a:schemeClr val="tx1"/>
+              </a:solidFill>
+              <a:latin typeface="Times New Roman" panose="02020603050405020304" pitchFamily="18" charset="0"/>
+              <a:cs typeface="Times New Roman" panose="02020603050405020304" pitchFamily="18" charset="0"/>
+            </a:endParaRPr>
+          </a:p>
+        </p:txBody>
+      </p:sp>
+    </p:spTree>
+    <p:extLst>
+      <p:ext uri="{BB962C8B-B14F-4D97-AF65-F5344CB8AC3E}">
+        <p14:creationId xmlns:p14="http://schemas.microsoft.com/office/powerpoint/2010/main" val="3121107720"/>
+      </p:ext>
+    </p:extLst>
+  </p:cSld>
+  <p:clrMapOvr>
+    <a:masterClrMapping/>
+  </p:clrMapOvr>
+</p:sld>
+</file>
+
+<file path=ppt/slides/slide21.xml><?xml version="1.0" encoding="utf-8"?>
+<p:sld xmlns:a="http://schemas.openxmlformats.org/drawingml/2006/main" xmlns:r="http://schemas.openxmlformats.org/officeDocument/2006/relationships" xmlns:p="http://schemas.openxmlformats.org/presentationml/2006/main">
+  <p:cSld>
+    <p:spTree>
+      <p:nvGrpSpPr>
+        <p:cNvPr id="1" name=""/>
+        <p:cNvGrpSpPr/>
+        <p:nvPr/>
+      </p:nvGrpSpPr>
+      <p:grpSpPr>
+        <a:xfrm>
+          <a:off x="0" y="0"/>
+          <a:ext cx="0" cy="0"/>
+          <a:chOff x="0" y="0"/>
+          <a:chExt cx="0" cy="0"/>
+        </a:xfrm>
+      </p:grpSpPr>
+      <p:sp>
+        <p:nvSpPr>
+          <p:cNvPr id="2" name="Заголовок 1">
+            <a:extLst>
+              <a:ext uri="{FF2B5EF4-FFF2-40B4-BE49-F238E27FC236}">
+                <a16:creationId xmlns:a16="http://schemas.microsoft.com/office/drawing/2014/main" id="{858A5C1F-E5B2-4EC1-9A3C-AAE441DF4D96}"/>
+              </a:ext>
+            </a:extLst>
+          </p:cNvPr>
+          <p:cNvSpPr>
+            <a:spLocks noGrp="1"/>
+          </p:cNvSpPr>
+          <p:nvPr>
+            <p:ph type="title"/>
+          </p:nvPr>
+        </p:nvSpPr>
+        <p:spPr>
+          <a:xfrm>
+            <a:off x="838200" y="176169"/>
+            <a:ext cx="10515600" cy="334424"/>
+          </a:xfrm>
+        </p:spPr>
+        <p:txBody>
+          <a:bodyPr>
+            <a:normAutofit/>
+          </a:bodyPr>
+          <a:lstStyle/>
+          <a:p>
+            <a:pPr algn="ctr"/>
+            <a:r>
+              <a:rPr lang="ru-RU" sz="1400" dirty="0">
+                <a:latin typeface="Times New Roman" panose="02020603050405020304" pitchFamily="18" charset="0"/>
+                <a:cs typeface="Times New Roman" panose="02020603050405020304" pitchFamily="18" charset="0"/>
+              </a:rPr>
+              <a:t>Задача №19</a:t>
+            </a:r>
+          </a:p>
+        </p:txBody>
+      </p:sp>
+      <p:sp>
+        <p:nvSpPr>
+          <p:cNvPr id="3" name="Текст 2">
+            <a:extLst>
+              <a:ext uri="{FF2B5EF4-FFF2-40B4-BE49-F238E27FC236}">
+                <a16:creationId xmlns:a16="http://schemas.microsoft.com/office/drawing/2014/main" id="{7A2822FC-0537-44BF-973E-18E9089D51A2}"/>
+              </a:ext>
+            </a:extLst>
+          </p:cNvPr>
+          <p:cNvSpPr>
+            <a:spLocks noGrp="1"/>
+          </p:cNvSpPr>
+          <p:nvPr>
+            <p:ph type="body" idx="1"/>
+          </p:nvPr>
+        </p:nvSpPr>
+        <p:spPr>
+          <a:xfrm>
+            <a:off x="831850" y="629174"/>
+            <a:ext cx="10515600" cy="5898625"/>
+          </a:xfrm>
+        </p:spPr>
+        <p:txBody>
+          <a:bodyPr>
+            <a:normAutofit/>
+          </a:bodyPr>
+          <a:lstStyle/>
+          <a:p>
+            <a:r>
+              <a:rPr lang="ru-RU" sz="1400" dirty="0">
+                <a:solidFill>
+                  <a:schemeClr val="tx1"/>
+                </a:solidFill>
+                <a:latin typeface="Times New Roman" panose="02020603050405020304" pitchFamily="18" charset="0"/>
+                <a:cs typeface="Times New Roman" panose="02020603050405020304" pitchFamily="18" charset="0"/>
+              </a:rPr>
+              <a:t>Задача</a:t>
+            </a:r>
+          </a:p>
+          <a:p>
+            <a:r>
+              <a:rPr lang="en-US" sz="1400" dirty="0">
+                <a:solidFill>
+                  <a:schemeClr val="tx1"/>
+                </a:solidFill>
+                <a:latin typeface="Times New Roman" panose="02020603050405020304" pitchFamily="18" charset="0"/>
+                <a:cs typeface="Times New Roman" panose="02020603050405020304" pitchFamily="18" charset="0"/>
+                <a:hlinkClick r:id="rId2"/>
+              </a:rPr>
+              <a:t>https://acm.timus.ru/problem.aspx?space=1&amp;num=1313</a:t>
+            </a:r>
+            <a:endParaRPr lang="ru-RU" sz="1400" dirty="0">
+              <a:solidFill>
+                <a:schemeClr val="tx1"/>
+              </a:solidFill>
+              <a:latin typeface="Times New Roman" panose="02020603050405020304" pitchFamily="18" charset="0"/>
+              <a:cs typeface="Times New Roman" panose="02020603050405020304" pitchFamily="18" charset="0"/>
+            </a:endParaRPr>
+          </a:p>
+          <a:p>
+            <a:endParaRPr lang="ru-RU" sz="1400" dirty="0">
+              <a:solidFill>
+                <a:schemeClr val="tx1"/>
+              </a:solidFill>
+              <a:latin typeface="Times New Roman" panose="02020603050405020304" pitchFamily="18" charset="0"/>
+              <a:cs typeface="Times New Roman" panose="02020603050405020304" pitchFamily="18" charset="0"/>
+            </a:endParaRPr>
+          </a:p>
+          <a:p>
+            <a:r>
+              <a:rPr lang="ru-RU" sz="1400" dirty="0">
+                <a:solidFill>
+                  <a:schemeClr val="tx1"/>
+                </a:solidFill>
+                <a:latin typeface="Times New Roman" panose="02020603050405020304" pitchFamily="18" charset="0"/>
+                <a:cs typeface="Times New Roman" panose="02020603050405020304" pitchFamily="18" charset="0"/>
+              </a:rPr>
+              <a:t>Исходный код решения : </a:t>
+            </a:r>
+            <a:r>
+              <a:rPr lang="en-US" sz="1400" dirty="0">
+                <a:solidFill>
+                  <a:schemeClr val="tx1"/>
+                </a:solidFill>
+                <a:latin typeface="Times New Roman" panose="02020603050405020304" pitchFamily="18" charset="0"/>
+                <a:cs typeface="Times New Roman" panose="02020603050405020304" pitchFamily="18" charset="0"/>
+                <a:hlinkClick r:id="rId3"/>
+              </a:rPr>
+              <a:t>https://github.com/Vladnwx/Learn2023-2024/blob/master/src/timus/task_1313/Main.java</a:t>
+            </a:r>
+            <a:endParaRPr lang="ru-RU" sz="1400" dirty="0">
+              <a:solidFill>
+                <a:schemeClr val="tx1"/>
+              </a:solidFill>
+              <a:latin typeface="Times New Roman" panose="02020603050405020304" pitchFamily="18" charset="0"/>
+              <a:cs typeface="Times New Roman" panose="02020603050405020304" pitchFamily="18" charset="0"/>
+            </a:endParaRPr>
+          </a:p>
+          <a:p>
+            <a:endParaRPr lang="ru-RU" sz="1400" dirty="0">
+              <a:solidFill>
+                <a:schemeClr val="tx1"/>
+              </a:solidFill>
+              <a:latin typeface="Times New Roman" panose="02020603050405020304" pitchFamily="18" charset="0"/>
+              <a:cs typeface="Times New Roman" panose="02020603050405020304" pitchFamily="18" charset="0"/>
+            </a:endParaRPr>
+          </a:p>
+          <a:p>
+            <a:endParaRPr lang="ru-RU" sz="1400" dirty="0">
+              <a:solidFill>
+                <a:schemeClr val="tx1"/>
+              </a:solidFill>
+              <a:latin typeface="Times New Roman" panose="02020603050405020304" pitchFamily="18" charset="0"/>
+              <a:cs typeface="Times New Roman" panose="02020603050405020304" pitchFamily="18" charset="0"/>
+            </a:endParaRPr>
+          </a:p>
+          <a:p>
+            <a:endParaRPr lang="ru-RU" sz="1400" dirty="0">
+              <a:solidFill>
+                <a:schemeClr val="tx1"/>
+              </a:solidFill>
+              <a:latin typeface="Times New Roman" panose="02020603050405020304" pitchFamily="18" charset="0"/>
+              <a:cs typeface="Times New Roman" panose="02020603050405020304" pitchFamily="18" charset="0"/>
+            </a:endParaRPr>
+          </a:p>
+        </p:txBody>
+      </p:sp>
+    </p:spTree>
+    <p:extLst>
+      <p:ext uri="{BB962C8B-B14F-4D97-AF65-F5344CB8AC3E}">
+        <p14:creationId xmlns:p14="http://schemas.microsoft.com/office/powerpoint/2010/main" val="3183415151"/>
+      </p:ext>
+    </p:extLst>
+  </p:cSld>
+  <p:clrMapOvr>
+    <a:masterClrMapping/>
+  </p:clrMapOvr>
+</p:sld>
+</file>
+
+<file path=ppt/slides/slide22.xml><?xml version="1.0" encoding="utf-8"?>
+<p:sld xmlns:a="http://schemas.openxmlformats.org/drawingml/2006/main" xmlns:r="http://schemas.openxmlformats.org/officeDocument/2006/relationships" xmlns:p="http://schemas.openxmlformats.org/presentationml/2006/main">
+  <p:cSld>
+    <p:spTree>
+      <p:nvGrpSpPr>
+        <p:cNvPr id="1" name=""/>
+        <p:cNvGrpSpPr/>
+        <p:nvPr/>
+      </p:nvGrpSpPr>
+      <p:grpSpPr>
+        <a:xfrm>
+          <a:off x="0" y="0"/>
+          <a:ext cx="0" cy="0"/>
+          <a:chOff x="0" y="0"/>
+          <a:chExt cx="0" cy="0"/>
+        </a:xfrm>
+      </p:grpSpPr>
+      <p:sp>
+        <p:nvSpPr>
+          <p:cNvPr id="2" name="Заголовок 1">
+            <a:extLst>
+              <a:ext uri="{FF2B5EF4-FFF2-40B4-BE49-F238E27FC236}">
+                <a16:creationId xmlns:a16="http://schemas.microsoft.com/office/drawing/2014/main" id="{858A5C1F-E5B2-4EC1-9A3C-AAE441DF4D96}"/>
+              </a:ext>
+            </a:extLst>
+          </p:cNvPr>
+          <p:cNvSpPr>
+            <a:spLocks noGrp="1"/>
+          </p:cNvSpPr>
+          <p:nvPr>
+            <p:ph type="title"/>
+          </p:nvPr>
+        </p:nvSpPr>
+        <p:spPr>
+          <a:xfrm>
+            <a:off x="838200" y="176169"/>
+            <a:ext cx="10515600" cy="334424"/>
+          </a:xfrm>
+        </p:spPr>
+        <p:txBody>
+          <a:bodyPr>
+            <a:normAutofit/>
+          </a:bodyPr>
+          <a:lstStyle/>
+          <a:p>
+            <a:pPr algn="ctr"/>
+            <a:r>
+              <a:rPr lang="ru-RU" sz="1400" dirty="0">
+                <a:latin typeface="Times New Roman" panose="02020603050405020304" pitchFamily="18" charset="0"/>
+                <a:cs typeface="Times New Roman" panose="02020603050405020304" pitchFamily="18" charset="0"/>
+              </a:rPr>
+              <a:t>Задача №20</a:t>
+            </a:r>
+          </a:p>
+        </p:txBody>
+      </p:sp>
+      <p:sp>
+        <p:nvSpPr>
+          <p:cNvPr id="3" name="Текст 2">
+            <a:extLst>
+              <a:ext uri="{FF2B5EF4-FFF2-40B4-BE49-F238E27FC236}">
+                <a16:creationId xmlns:a16="http://schemas.microsoft.com/office/drawing/2014/main" id="{7A2822FC-0537-44BF-973E-18E9089D51A2}"/>
+              </a:ext>
+            </a:extLst>
+          </p:cNvPr>
+          <p:cNvSpPr>
+            <a:spLocks noGrp="1"/>
+          </p:cNvSpPr>
+          <p:nvPr>
+            <p:ph type="body" idx="1"/>
+          </p:nvPr>
+        </p:nvSpPr>
+        <p:spPr>
+          <a:xfrm>
+            <a:off x="831850" y="629174"/>
+            <a:ext cx="10515600" cy="5898625"/>
+          </a:xfrm>
+        </p:spPr>
+        <p:txBody>
+          <a:bodyPr>
+            <a:normAutofit/>
+          </a:bodyPr>
+          <a:lstStyle/>
+          <a:p>
+            <a:r>
+              <a:rPr lang="ru-RU" sz="1400" dirty="0">
+                <a:solidFill>
+                  <a:schemeClr val="tx1"/>
+                </a:solidFill>
+                <a:latin typeface="Times New Roman" panose="02020603050405020304" pitchFamily="18" charset="0"/>
+                <a:cs typeface="Times New Roman" panose="02020603050405020304" pitchFamily="18" charset="0"/>
+              </a:rPr>
+              <a:t>Задача</a:t>
+            </a:r>
+          </a:p>
+          <a:p>
+            <a:r>
+              <a:rPr lang="en-US" sz="1400" dirty="0">
+                <a:solidFill>
+                  <a:schemeClr val="tx1"/>
+                </a:solidFill>
+                <a:latin typeface="Times New Roman" panose="02020603050405020304" pitchFamily="18" charset="0"/>
+                <a:cs typeface="Times New Roman" panose="02020603050405020304" pitchFamily="18" charset="0"/>
+                <a:hlinkClick r:id="rId2"/>
+              </a:rPr>
+              <a:t>https://acm.timus.ru/problem.aspx?space=1&amp;num=1225</a:t>
+            </a:r>
+            <a:endParaRPr lang="ru-RU" sz="1400" dirty="0">
+              <a:solidFill>
+                <a:schemeClr val="tx1"/>
+              </a:solidFill>
+              <a:latin typeface="Times New Roman" panose="02020603050405020304" pitchFamily="18" charset="0"/>
+              <a:cs typeface="Times New Roman" panose="02020603050405020304" pitchFamily="18" charset="0"/>
+            </a:endParaRPr>
+          </a:p>
+          <a:p>
+            <a:endParaRPr lang="ru-RU" sz="1400" dirty="0">
+              <a:solidFill>
+                <a:schemeClr val="tx1"/>
+              </a:solidFill>
+              <a:latin typeface="Times New Roman" panose="02020603050405020304" pitchFamily="18" charset="0"/>
+              <a:cs typeface="Times New Roman" panose="02020603050405020304" pitchFamily="18" charset="0"/>
+            </a:endParaRPr>
+          </a:p>
+          <a:p>
+            <a:r>
+              <a:rPr lang="ru-RU" sz="1400" dirty="0">
+                <a:solidFill>
+                  <a:schemeClr val="tx1"/>
+                </a:solidFill>
+                <a:latin typeface="Times New Roman" panose="02020603050405020304" pitchFamily="18" charset="0"/>
+                <a:cs typeface="Times New Roman" panose="02020603050405020304" pitchFamily="18" charset="0"/>
+              </a:rPr>
+              <a:t>Исходный код решения : </a:t>
+            </a:r>
+            <a:r>
+              <a:rPr lang="en-US" sz="1400" dirty="0">
+                <a:solidFill>
+                  <a:schemeClr val="tx1"/>
+                </a:solidFill>
+                <a:latin typeface="Times New Roman" panose="02020603050405020304" pitchFamily="18" charset="0"/>
+                <a:cs typeface="Times New Roman" panose="02020603050405020304" pitchFamily="18" charset="0"/>
+                <a:hlinkClick r:id="rId3"/>
+              </a:rPr>
+              <a:t>https://github.com/Vladnwx/Learn2023-2024/blob/master/src/timus/task_1225/Main.java</a:t>
+            </a:r>
+            <a:endParaRPr lang="ru-RU" sz="1400" dirty="0">
+              <a:solidFill>
+                <a:schemeClr val="tx1"/>
+              </a:solidFill>
+              <a:latin typeface="Times New Roman" panose="02020603050405020304" pitchFamily="18" charset="0"/>
+              <a:cs typeface="Times New Roman" panose="02020603050405020304" pitchFamily="18" charset="0"/>
+            </a:endParaRPr>
+          </a:p>
+          <a:p>
+            <a:endParaRPr lang="ru-RU" sz="1400" dirty="0">
+              <a:solidFill>
+                <a:schemeClr val="tx1"/>
+              </a:solidFill>
+              <a:latin typeface="Times New Roman" panose="02020603050405020304" pitchFamily="18" charset="0"/>
+              <a:cs typeface="Times New Roman" panose="02020603050405020304" pitchFamily="18" charset="0"/>
+            </a:endParaRPr>
+          </a:p>
+          <a:p>
+            <a:endParaRPr lang="ru-RU" sz="1400" dirty="0">
+              <a:solidFill>
+                <a:schemeClr val="tx1"/>
+              </a:solidFill>
+              <a:latin typeface="Times New Roman" panose="02020603050405020304" pitchFamily="18" charset="0"/>
+              <a:cs typeface="Times New Roman" panose="02020603050405020304" pitchFamily="18" charset="0"/>
+            </a:endParaRPr>
+          </a:p>
+          <a:p>
+            <a:endParaRPr lang="ru-RU" sz="1400" dirty="0">
+              <a:solidFill>
+                <a:schemeClr val="tx1"/>
+              </a:solidFill>
+              <a:latin typeface="Times New Roman" panose="02020603050405020304" pitchFamily="18" charset="0"/>
+              <a:cs typeface="Times New Roman" panose="02020603050405020304" pitchFamily="18" charset="0"/>
+            </a:endParaRPr>
+          </a:p>
+        </p:txBody>
+      </p:sp>
+    </p:spTree>
+    <p:extLst>
+      <p:ext uri="{BB962C8B-B14F-4D97-AF65-F5344CB8AC3E}">
+        <p14:creationId xmlns:p14="http://schemas.microsoft.com/office/powerpoint/2010/main" val="1892149770"/>
       </p:ext>
     </p:extLst>
   </p:cSld>
@@ -4442,8 +6145,8 @@
         </p:nvSpPr>
         <p:spPr>
           <a:xfrm>
-            <a:off x="831850" y="629175"/>
-            <a:ext cx="10515600" cy="3288484"/>
+            <a:off x="831850" y="629174"/>
+            <a:ext cx="10515600" cy="5898625"/>
           </a:xfrm>
         </p:spPr>
         <p:txBody>
@@ -4460,18 +6163,47 @@
                 <a:latin typeface="Times New Roman" panose="02020603050405020304" pitchFamily="18" charset="0"/>
                 <a:cs typeface="Times New Roman" panose="02020603050405020304" pitchFamily="18" charset="0"/>
               </a:rPr>
-              <a:t>Напишите программу, в которой пользователь вводит целое число в диапазоне от 1 до 7, а программа определяет по этому числу день недели. Если введенное пользователем число выходит за допустимый диапазон, выводится сообщение о том, что введено некорректное значение. Используйте оператор выбора </a:t>
-            </a:r>
-            <a:r>
-              <a:rPr lang="ru-RU" sz="1400" dirty="0" err="1">
-                <a:solidFill>
-                  <a:schemeClr val="tx1"/>
-                </a:solidFill>
-                <a:latin typeface="Times New Roman" panose="02020603050405020304" pitchFamily="18" charset="0"/>
-                <a:cs typeface="Times New Roman" panose="02020603050405020304" pitchFamily="18" charset="0"/>
-              </a:rPr>
-              <a:t>switch</a:t>
-            </a:r>
+              <a:t>Задача</a:t>
+            </a:r>
+            <a:endParaRPr lang="ru-RU" sz="1400" dirty="0">
+              <a:solidFill>
+                <a:schemeClr val="tx1"/>
+              </a:solidFill>
+              <a:latin typeface="Times New Roman" panose="02020603050405020304" pitchFamily="18" charset="0"/>
+              <a:cs typeface="Times New Roman" panose="02020603050405020304" pitchFamily="18" charset="0"/>
+              <a:hlinkClick r:id="rId2"/>
+            </a:endParaRPr>
+          </a:p>
+          <a:p>
+            <a:r>
+              <a:rPr lang="en-US" sz="1400" dirty="0">
+                <a:solidFill>
+                  <a:schemeClr val="tx1"/>
+                </a:solidFill>
+                <a:latin typeface="Times New Roman" panose="02020603050405020304" pitchFamily="18" charset="0"/>
+                <a:cs typeface="Times New Roman" panose="02020603050405020304" pitchFamily="18" charset="0"/>
+                <a:hlinkClick r:id="rId2"/>
+              </a:rPr>
+              <a:t>https://acm.timus.ru/problem.aspx?space=1&amp;num=1001</a:t>
+            </a:r>
+            <a:endParaRPr lang="ru-RU" sz="1400" dirty="0">
+              <a:solidFill>
+                <a:schemeClr val="tx1"/>
+              </a:solidFill>
+              <a:latin typeface="Times New Roman" panose="02020603050405020304" pitchFamily="18" charset="0"/>
+              <a:cs typeface="Times New Roman" panose="02020603050405020304" pitchFamily="18" charset="0"/>
+            </a:endParaRPr>
+          </a:p>
+          <a:p>
+            <a:endParaRPr lang="ru-RU" sz="1400" dirty="0">
+              <a:solidFill>
+                <a:schemeClr val="tx1"/>
+              </a:solidFill>
+              <a:latin typeface="Times New Roman" panose="02020603050405020304" pitchFamily="18" charset="0"/>
+              <a:cs typeface="Times New Roman" panose="02020603050405020304" pitchFamily="18" charset="0"/>
+            </a:endParaRPr>
+          </a:p>
+          <a:p>
             <a:r>
               <a:rPr lang="ru-RU" sz="1400" dirty="0">
                 <a:solidFill>
@@ -4480,18 +6212,6 @@
                 <a:latin typeface="Times New Roman" panose="02020603050405020304" pitchFamily="18" charset="0"/>
                 <a:cs typeface="Times New Roman" panose="02020603050405020304" pitchFamily="18" charset="0"/>
               </a:rPr>
-              <a:t>.</a:t>
-            </a:r>
-          </a:p>
-          <a:p>
-            <a:r>
-              <a:rPr lang="ru-RU" sz="1400" dirty="0">
-                <a:solidFill>
-                  <a:schemeClr val="tx1"/>
-                </a:solidFill>
-                <a:latin typeface="Times New Roman" panose="02020603050405020304" pitchFamily="18" charset="0"/>
-                <a:cs typeface="Times New Roman" panose="02020603050405020304" pitchFamily="18" charset="0"/>
-              </a:rPr>
               <a:t>Исходный код решения : </a:t>
             </a:r>
             <a:r>
@@ -4501,9 +6221,19 @@
                 </a:solidFill>
                 <a:latin typeface="Times New Roman" panose="02020603050405020304" pitchFamily="18" charset="0"/>
                 <a:cs typeface="Times New Roman" panose="02020603050405020304" pitchFamily="18" charset="0"/>
-              </a:rPr>
-              <a:t>https://github.com/Vladnwx/Learn2023-2024/blob/master/src/lr3/Example1.java</a:t>
-            </a:r>
+                <a:hlinkClick r:id="rId3"/>
+              </a:rPr>
+              <a:t>https://github.com/Vladnwx/Learn2023-2024/blob/master/src/timus/task_1001/Main.java</a:t>
+            </a:r>
+            <a:endParaRPr lang="ru-RU" sz="1400" dirty="0">
+              <a:solidFill>
+                <a:schemeClr val="tx1"/>
+              </a:solidFill>
+              <a:latin typeface="Times New Roman" panose="02020603050405020304" pitchFamily="18" charset="0"/>
+              <a:cs typeface="Times New Roman" panose="02020603050405020304" pitchFamily="18" charset="0"/>
+            </a:endParaRPr>
+          </a:p>
+          <a:p>
             <a:endParaRPr lang="ru-RU" sz="1400" dirty="0">
               <a:solidFill>
                 <a:schemeClr val="tx1"/>
@@ -4601,8 +6331,8 @@
         </p:nvSpPr>
         <p:spPr>
           <a:xfrm>
-            <a:off x="831850" y="629175"/>
-            <a:ext cx="10515600" cy="3288484"/>
+            <a:off x="831850" y="629174"/>
+            <a:ext cx="10515600" cy="5898625"/>
           </a:xfrm>
         </p:spPr>
         <p:txBody>
@@ -4619,18 +6349,39 @@
                 <a:latin typeface="Times New Roman" panose="02020603050405020304" pitchFamily="18" charset="0"/>
                 <a:cs typeface="Times New Roman" panose="02020603050405020304" pitchFamily="18" charset="0"/>
               </a:rPr>
-              <a:t>Напишите программу, в которой пользователю предлагается ввести название дня недели. По введенному названию программа определяет порядковый номер дня в неделе. Если пользователь вводит неправильное название дня, программа выводит сообщение о том, что такого дня нет. Предложите версию программы на основе вложенных условных операторов и на основе оператора выбора </a:t>
-            </a:r>
-            <a:r>
-              <a:rPr lang="ru-RU" sz="1400" dirty="0" err="1">
-                <a:solidFill>
-                  <a:schemeClr val="tx1"/>
-                </a:solidFill>
-                <a:latin typeface="Times New Roman" panose="02020603050405020304" pitchFamily="18" charset="0"/>
-                <a:cs typeface="Times New Roman" panose="02020603050405020304" pitchFamily="18" charset="0"/>
-              </a:rPr>
-              <a:t>switch</a:t>
-            </a:r>
+              <a:t>Задача</a:t>
+            </a:r>
+          </a:p>
+          <a:p>
+            <a:r>
+              <a:rPr lang="en-US" sz="1400" dirty="0">
+                <a:solidFill>
+                  <a:schemeClr val="tx1"/>
+                </a:solidFill>
+                <a:latin typeface="Times New Roman" panose="02020603050405020304" pitchFamily="18" charset="0"/>
+                <a:cs typeface="Times New Roman" panose="02020603050405020304" pitchFamily="18" charset="0"/>
+                <a:hlinkClick r:id="rId2"/>
+              </a:rPr>
+              <a:t>https://acm.timus.ru/problem.aspx?space=1&amp;num=1293</a:t>
+            </a:r>
+            <a:endParaRPr lang="ru-RU" sz="1400" dirty="0">
+              <a:solidFill>
+                <a:schemeClr val="tx1"/>
+              </a:solidFill>
+              <a:latin typeface="Times New Roman" panose="02020603050405020304" pitchFamily="18" charset="0"/>
+              <a:cs typeface="Times New Roman" panose="02020603050405020304" pitchFamily="18" charset="0"/>
+            </a:endParaRPr>
+          </a:p>
+          <a:p>
+            <a:endParaRPr lang="ru-RU" sz="1400" dirty="0">
+              <a:solidFill>
+                <a:schemeClr val="tx1"/>
+              </a:solidFill>
+              <a:latin typeface="Times New Roman" panose="02020603050405020304" pitchFamily="18" charset="0"/>
+              <a:cs typeface="Times New Roman" panose="02020603050405020304" pitchFamily="18" charset="0"/>
+            </a:endParaRPr>
+          </a:p>
+          <a:p>
             <a:r>
               <a:rPr lang="ru-RU" sz="1400" dirty="0">
                 <a:solidFill>
@@ -4639,18 +6390,6 @@
                 <a:latin typeface="Times New Roman" panose="02020603050405020304" pitchFamily="18" charset="0"/>
                 <a:cs typeface="Times New Roman" panose="02020603050405020304" pitchFamily="18" charset="0"/>
               </a:rPr>
-              <a:t>.</a:t>
-            </a:r>
-          </a:p>
-          <a:p>
-            <a:r>
-              <a:rPr lang="ru-RU" sz="1400" dirty="0">
-                <a:solidFill>
-                  <a:schemeClr val="tx1"/>
-                </a:solidFill>
-                <a:latin typeface="Times New Roman" panose="02020603050405020304" pitchFamily="18" charset="0"/>
-                <a:cs typeface="Times New Roman" panose="02020603050405020304" pitchFamily="18" charset="0"/>
-              </a:rPr>
               <a:t>Исходный код решения : </a:t>
             </a:r>
             <a:r>
@@ -4660,29 +6399,19 @@
                 </a:solidFill>
                 <a:latin typeface="Times New Roman" panose="02020603050405020304" pitchFamily="18" charset="0"/>
                 <a:cs typeface="Times New Roman" panose="02020603050405020304" pitchFamily="18" charset="0"/>
-              </a:rPr>
-              <a:t>https://github.com/Vladnwx/Learn2023-2024/blob/master/src/lr3/Example</a:t>
-            </a:r>
-            <a:r>
-              <a:rPr lang="ru-RU" sz="1400" dirty="0">
-                <a:solidFill>
-                  <a:schemeClr val="tx1"/>
-                </a:solidFill>
-                <a:latin typeface="Times New Roman" panose="02020603050405020304" pitchFamily="18" charset="0"/>
-                <a:cs typeface="Times New Roman" panose="02020603050405020304" pitchFamily="18" charset="0"/>
-              </a:rPr>
-              <a:t>2</a:t>
-            </a:r>
-            <a:r>
-              <a:rPr lang="en-US" sz="1400" dirty="0">
-                <a:solidFill>
-                  <a:schemeClr val="tx1"/>
-                </a:solidFill>
-                <a:latin typeface="Times New Roman" panose="02020603050405020304" pitchFamily="18" charset="0"/>
-                <a:cs typeface="Times New Roman" panose="02020603050405020304" pitchFamily="18" charset="0"/>
-              </a:rPr>
-              <a:t>.java</a:t>
-            </a:r>
+                <a:hlinkClick r:id="rId3"/>
+              </a:rPr>
+              <a:t>https://github.com/Vladnwx/Learn2023-2024/blob/master/src/timus/task_1293/Main.java</a:t>
+            </a:r>
+            <a:endParaRPr lang="ru-RU" sz="1400" dirty="0">
+              <a:solidFill>
+                <a:schemeClr val="tx1"/>
+              </a:solidFill>
+              <a:latin typeface="Times New Roman" panose="02020603050405020304" pitchFamily="18" charset="0"/>
+              <a:cs typeface="Times New Roman" panose="02020603050405020304" pitchFamily="18" charset="0"/>
+            </a:endParaRPr>
+          </a:p>
+          <a:p>
             <a:endParaRPr lang="ru-RU" sz="1400" dirty="0">
               <a:solidFill>
                 <a:schemeClr val="tx1"/>
@@ -4696,7 +6425,7 @@
     </p:spTree>
     <p:extLst>
       <p:ext uri="{BB962C8B-B14F-4D97-AF65-F5344CB8AC3E}">
-        <p14:creationId xmlns:p14="http://schemas.microsoft.com/office/powerpoint/2010/main" val="1125362984"/>
+        <p14:creationId xmlns:p14="http://schemas.microsoft.com/office/powerpoint/2010/main" val="527277335"/>
       </p:ext>
     </p:extLst>
   </p:cSld>
@@ -4780,8 +6509,8 @@
         </p:nvSpPr>
         <p:spPr>
           <a:xfrm>
-            <a:off x="831850" y="629175"/>
-            <a:ext cx="10515600" cy="3288484"/>
+            <a:off x="831850" y="629174"/>
+            <a:ext cx="10515600" cy="5898625"/>
           </a:xfrm>
         </p:spPr>
         <p:txBody>
@@ -4798,8 +6527,37 @@
                 <a:latin typeface="Times New Roman" panose="02020603050405020304" pitchFamily="18" charset="0"/>
                 <a:cs typeface="Times New Roman" panose="02020603050405020304" pitchFamily="18" charset="0"/>
               </a:rPr>
-              <a:t>Напишите программу, которая выводит последовательность чисел Фибоначчи. Первые два числа в этой последовательности равны 1, а каждое следующее число равно сумме двух предыдущих (получается последовательность 1, 1, 2, 3, 5, 8, 13, 21, 34, 55, 89 и так далее). Количество чисел в последовательности вводится пользователем. Предложите версии программы, использующие разные операторы цикла.</a:t>
-            </a:r>
+              <a:t>Задача</a:t>
+            </a:r>
+          </a:p>
+          <a:p>
+            <a:r>
+              <a:rPr lang="en-US" sz="1400" dirty="0">
+                <a:solidFill>
+                  <a:schemeClr val="tx1"/>
+                </a:solidFill>
+                <a:latin typeface="Times New Roman" panose="02020603050405020304" pitchFamily="18" charset="0"/>
+                <a:cs typeface="Times New Roman" panose="02020603050405020304" pitchFamily="18" charset="0"/>
+                <a:hlinkClick r:id="rId2"/>
+              </a:rPr>
+              <a:t>https://acm.timus.ru/problem.aspx?space=1&amp;num=1000</a:t>
+            </a:r>
+            <a:endParaRPr lang="ru-RU" sz="1400" dirty="0">
+              <a:solidFill>
+                <a:schemeClr val="tx1"/>
+              </a:solidFill>
+              <a:latin typeface="Times New Roman" panose="02020603050405020304" pitchFamily="18" charset="0"/>
+              <a:cs typeface="Times New Roman" panose="02020603050405020304" pitchFamily="18" charset="0"/>
+            </a:endParaRPr>
+          </a:p>
+          <a:p>
+            <a:endParaRPr lang="ru-RU" sz="1400" dirty="0">
+              <a:solidFill>
+                <a:schemeClr val="tx1"/>
+              </a:solidFill>
+              <a:latin typeface="Times New Roman" panose="02020603050405020304" pitchFamily="18" charset="0"/>
+              <a:cs typeface="Times New Roman" panose="02020603050405020304" pitchFamily="18" charset="0"/>
+            </a:endParaRPr>
           </a:p>
           <a:p>
             <a:r>
@@ -4819,29 +6577,19 @@
                 </a:solidFill>
                 <a:latin typeface="Times New Roman" panose="02020603050405020304" pitchFamily="18" charset="0"/>
                 <a:cs typeface="Times New Roman" panose="02020603050405020304" pitchFamily="18" charset="0"/>
-              </a:rPr>
-              <a:t>https://github.com/Vladnwx/Learn2023-2024/blob/master/src/lr3/Example</a:t>
-            </a:r>
-            <a:r>
-              <a:rPr lang="ru-RU" sz="1400" dirty="0">
-                <a:solidFill>
-                  <a:schemeClr val="tx1"/>
-                </a:solidFill>
-                <a:latin typeface="Times New Roman" panose="02020603050405020304" pitchFamily="18" charset="0"/>
-                <a:cs typeface="Times New Roman" panose="02020603050405020304" pitchFamily="18" charset="0"/>
-              </a:rPr>
-              <a:t>3</a:t>
-            </a:r>
-            <a:r>
-              <a:rPr lang="en-US" sz="1400" dirty="0">
-                <a:solidFill>
-                  <a:schemeClr val="tx1"/>
-                </a:solidFill>
-                <a:latin typeface="Times New Roman" panose="02020603050405020304" pitchFamily="18" charset="0"/>
-                <a:cs typeface="Times New Roman" panose="02020603050405020304" pitchFamily="18" charset="0"/>
-              </a:rPr>
-              <a:t>.java</a:t>
-            </a:r>
+                <a:hlinkClick r:id="rId3"/>
+              </a:rPr>
+              <a:t>https://github.com/Vladnwx/Learn2023-2024/blob/master/src/timus/task_1000/Main.java</a:t>
+            </a:r>
+            <a:endParaRPr lang="ru-RU" sz="1400" dirty="0">
+              <a:solidFill>
+                <a:schemeClr val="tx1"/>
+              </a:solidFill>
+              <a:latin typeface="Times New Roman" panose="02020603050405020304" pitchFamily="18" charset="0"/>
+              <a:cs typeface="Times New Roman" panose="02020603050405020304" pitchFamily="18" charset="0"/>
+            </a:endParaRPr>
+          </a:p>
+          <a:p>
             <a:endParaRPr lang="ru-RU" sz="1400" dirty="0">
               <a:solidFill>
                 <a:schemeClr val="tx1"/>
@@ -4855,7 +6603,7 @@
     </p:spTree>
     <p:extLst>
       <p:ext uri="{BB962C8B-B14F-4D97-AF65-F5344CB8AC3E}">
-        <p14:creationId xmlns:p14="http://schemas.microsoft.com/office/powerpoint/2010/main" val="3145620543"/>
+        <p14:creationId xmlns:p14="http://schemas.microsoft.com/office/powerpoint/2010/main" val="3516474827"/>
       </p:ext>
     </p:extLst>
   </p:cSld>
@@ -4939,8 +6687,8 @@
         </p:nvSpPr>
         <p:spPr>
           <a:xfrm>
-            <a:off x="831850" y="629175"/>
-            <a:ext cx="10515600" cy="3288484"/>
+            <a:off x="831850" y="629174"/>
+            <a:ext cx="10515600" cy="5898625"/>
           </a:xfrm>
         </p:spPr>
         <p:txBody>
@@ -4957,8 +6705,37 @@
                 <a:latin typeface="Times New Roman" panose="02020603050405020304" pitchFamily="18" charset="0"/>
                 <a:cs typeface="Times New Roman" panose="02020603050405020304" pitchFamily="18" charset="0"/>
               </a:rPr>
-              <a:t>Напишите программу, в которой пользователем вводится два целых числа. Программа выводит все целые числа — начиная с наименьшего (из двух введенных чисел) и заканчивая наибольшим (из двух введенных чисел). Предложите разные версии программы (с использованием разных операторов цикла).</a:t>
-            </a:r>
+              <a:t>Задача</a:t>
+            </a:r>
+          </a:p>
+          <a:p>
+            <a:r>
+              <a:rPr lang="en-US" sz="1400" dirty="0">
+                <a:solidFill>
+                  <a:schemeClr val="tx1"/>
+                </a:solidFill>
+                <a:latin typeface="Times New Roman" panose="02020603050405020304" pitchFamily="18" charset="0"/>
+                <a:cs typeface="Times New Roman" panose="02020603050405020304" pitchFamily="18" charset="0"/>
+                <a:hlinkClick r:id="rId2"/>
+              </a:rPr>
+              <a:t>https://acm.timus.ru/problem.aspx?space=1&amp;num=1409</a:t>
+            </a:r>
+            <a:endParaRPr lang="ru-RU" sz="1400" dirty="0">
+              <a:solidFill>
+                <a:schemeClr val="tx1"/>
+              </a:solidFill>
+              <a:latin typeface="Times New Roman" panose="02020603050405020304" pitchFamily="18" charset="0"/>
+              <a:cs typeface="Times New Roman" panose="02020603050405020304" pitchFamily="18" charset="0"/>
+            </a:endParaRPr>
+          </a:p>
+          <a:p>
+            <a:endParaRPr lang="ru-RU" sz="1400" dirty="0">
+              <a:solidFill>
+                <a:schemeClr val="tx1"/>
+              </a:solidFill>
+              <a:latin typeface="Times New Roman" panose="02020603050405020304" pitchFamily="18" charset="0"/>
+              <a:cs typeface="Times New Roman" panose="02020603050405020304" pitchFamily="18" charset="0"/>
+            </a:endParaRPr>
           </a:p>
           <a:p>
             <a:r>
@@ -4978,29 +6755,19 @@
                 </a:solidFill>
                 <a:latin typeface="Times New Roman" panose="02020603050405020304" pitchFamily="18" charset="0"/>
                 <a:cs typeface="Times New Roman" panose="02020603050405020304" pitchFamily="18" charset="0"/>
-              </a:rPr>
-              <a:t>https://github.com/Vladnwx/Learn2023-2024/blob/master/src/lr3/Example</a:t>
-            </a:r>
-            <a:r>
-              <a:rPr lang="ru-RU" sz="1400" dirty="0">
-                <a:solidFill>
-                  <a:schemeClr val="tx1"/>
-                </a:solidFill>
-                <a:latin typeface="Times New Roman" panose="02020603050405020304" pitchFamily="18" charset="0"/>
-                <a:cs typeface="Times New Roman" panose="02020603050405020304" pitchFamily="18" charset="0"/>
-              </a:rPr>
-              <a:t>4</a:t>
-            </a:r>
-            <a:r>
-              <a:rPr lang="en-US" sz="1400" dirty="0">
-                <a:solidFill>
-                  <a:schemeClr val="tx1"/>
-                </a:solidFill>
-                <a:latin typeface="Times New Roman" panose="02020603050405020304" pitchFamily="18" charset="0"/>
-                <a:cs typeface="Times New Roman" panose="02020603050405020304" pitchFamily="18" charset="0"/>
-              </a:rPr>
-              <a:t>.java</a:t>
-            </a:r>
+                <a:hlinkClick r:id="rId3"/>
+              </a:rPr>
+              <a:t>https://github.com/Vladnwx/Learn2023-2024/blob/master/src/timus/task_1409/Main.java</a:t>
+            </a:r>
+            <a:endParaRPr lang="ru-RU" sz="1400" dirty="0">
+              <a:solidFill>
+                <a:schemeClr val="tx1"/>
+              </a:solidFill>
+              <a:latin typeface="Times New Roman" panose="02020603050405020304" pitchFamily="18" charset="0"/>
+              <a:cs typeface="Times New Roman" panose="02020603050405020304" pitchFamily="18" charset="0"/>
+            </a:endParaRPr>
+          </a:p>
+          <a:p>
             <a:endParaRPr lang="ru-RU" sz="1400" dirty="0">
               <a:solidFill>
                 <a:schemeClr val="tx1"/>
@@ -5014,7 +6781,7 @@
     </p:spTree>
     <p:extLst>
       <p:ext uri="{BB962C8B-B14F-4D97-AF65-F5344CB8AC3E}">
-        <p14:creationId xmlns:p14="http://schemas.microsoft.com/office/powerpoint/2010/main" val="3170304098"/>
+        <p14:creationId xmlns:p14="http://schemas.microsoft.com/office/powerpoint/2010/main" val="2299549420"/>
       </p:ext>
     </p:extLst>
   </p:cSld>
@@ -5098,8 +6865,8 @@
         </p:nvSpPr>
         <p:spPr>
           <a:xfrm>
-            <a:off x="831850" y="629175"/>
-            <a:ext cx="10515600" cy="3288484"/>
+            <a:off x="831850" y="629174"/>
+            <a:ext cx="10515600" cy="5898625"/>
           </a:xfrm>
         </p:spPr>
         <p:txBody>
@@ -5116,8 +6883,37 @@
                 <a:latin typeface="Times New Roman" panose="02020603050405020304" pitchFamily="18" charset="0"/>
                 <a:cs typeface="Times New Roman" panose="02020603050405020304" pitchFamily="18" charset="0"/>
               </a:rPr>
-              <a:t>Напишите программу, в которой вычисляется сумма чисел, удовлетворяющих таким критериям: при делении числа на 5 в остатке получается 2, или при делении на 3 в остатке получается 1. Количество чисел в сумме вводится пользователем. Программа отображает числа, которые суммируются, и значение суммы. Предложите версии программы, использующие разные операторы цикла.</a:t>
-            </a:r>
+              <a:t>Задача</a:t>
+            </a:r>
+          </a:p>
+          <a:p>
+            <a:r>
+              <a:rPr lang="en-US" sz="1400" dirty="0">
+                <a:solidFill>
+                  <a:schemeClr val="tx1"/>
+                </a:solidFill>
+                <a:latin typeface="Times New Roman" panose="02020603050405020304" pitchFamily="18" charset="0"/>
+                <a:cs typeface="Times New Roman" panose="02020603050405020304" pitchFamily="18" charset="0"/>
+                <a:hlinkClick r:id="rId2"/>
+              </a:rPr>
+              <a:t>https://acm.timus.ru/problem.aspx?space=1&amp;num=1785</a:t>
+            </a:r>
+            <a:endParaRPr lang="ru-RU" sz="1400" dirty="0">
+              <a:solidFill>
+                <a:schemeClr val="tx1"/>
+              </a:solidFill>
+              <a:latin typeface="Times New Roman" panose="02020603050405020304" pitchFamily="18" charset="0"/>
+              <a:cs typeface="Times New Roman" panose="02020603050405020304" pitchFamily="18" charset="0"/>
+            </a:endParaRPr>
+          </a:p>
+          <a:p>
+            <a:endParaRPr lang="ru-RU" sz="1400" dirty="0">
+              <a:solidFill>
+                <a:schemeClr val="tx1"/>
+              </a:solidFill>
+              <a:latin typeface="Times New Roman" panose="02020603050405020304" pitchFamily="18" charset="0"/>
+              <a:cs typeface="Times New Roman" panose="02020603050405020304" pitchFamily="18" charset="0"/>
+            </a:endParaRPr>
           </a:p>
           <a:p>
             <a:r>
@@ -5137,29 +6933,19 @@
                 </a:solidFill>
                 <a:latin typeface="Times New Roman" panose="02020603050405020304" pitchFamily="18" charset="0"/>
                 <a:cs typeface="Times New Roman" panose="02020603050405020304" pitchFamily="18" charset="0"/>
-              </a:rPr>
-              <a:t>https://github.com/Vladnwx/Learn2023-2024/blob/master/src/lr3/Example</a:t>
-            </a:r>
-            <a:r>
-              <a:rPr lang="ru-RU" sz="1400" dirty="0">
-                <a:solidFill>
-                  <a:schemeClr val="tx1"/>
-                </a:solidFill>
-                <a:latin typeface="Times New Roman" panose="02020603050405020304" pitchFamily="18" charset="0"/>
-                <a:cs typeface="Times New Roman" panose="02020603050405020304" pitchFamily="18" charset="0"/>
-              </a:rPr>
-              <a:t>5</a:t>
-            </a:r>
-            <a:r>
-              <a:rPr lang="en-US" sz="1400" dirty="0">
-                <a:solidFill>
-                  <a:schemeClr val="tx1"/>
-                </a:solidFill>
-                <a:latin typeface="Times New Roman" panose="02020603050405020304" pitchFamily="18" charset="0"/>
-                <a:cs typeface="Times New Roman" panose="02020603050405020304" pitchFamily="18" charset="0"/>
-              </a:rPr>
-              <a:t>.java</a:t>
-            </a:r>
+                <a:hlinkClick r:id="rId3"/>
+              </a:rPr>
+              <a:t>https://github.com/Vladnwx/Learn2023-2024/blob/master/src/timus/task_1785/Main.java</a:t>
+            </a:r>
+            <a:endParaRPr lang="ru-RU" sz="1400" dirty="0">
+              <a:solidFill>
+                <a:schemeClr val="tx1"/>
+              </a:solidFill>
+              <a:latin typeface="Times New Roman" panose="02020603050405020304" pitchFamily="18" charset="0"/>
+              <a:cs typeface="Times New Roman" panose="02020603050405020304" pitchFamily="18" charset="0"/>
+            </a:endParaRPr>
+          </a:p>
+          <a:p>
             <a:endParaRPr lang="ru-RU" sz="1400" dirty="0">
               <a:solidFill>
                 <a:schemeClr val="tx1"/>
@@ -5173,7 +6959,7 @@
     </p:spTree>
     <p:extLst>
       <p:ext uri="{BB962C8B-B14F-4D97-AF65-F5344CB8AC3E}">
-        <p14:creationId xmlns:p14="http://schemas.microsoft.com/office/powerpoint/2010/main" val="2720637637"/>
+        <p14:creationId xmlns:p14="http://schemas.microsoft.com/office/powerpoint/2010/main" val="225960573"/>
       </p:ext>
     </p:extLst>
   </p:cSld>
@@ -5257,8 +7043,8 @@
         </p:nvSpPr>
         <p:spPr>
           <a:xfrm>
-            <a:off x="831850" y="629175"/>
-            <a:ext cx="10515600" cy="3288484"/>
+            <a:off x="831850" y="629174"/>
+            <a:ext cx="10515600" cy="5898625"/>
           </a:xfrm>
         </p:spPr>
         <p:txBody>
@@ -5275,8 +7061,37 @@
                 <a:latin typeface="Times New Roman" panose="02020603050405020304" pitchFamily="18" charset="0"/>
                 <a:cs typeface="Times New Roman" panose="02020603050405020304" pitchFamily="18" charset="0"/>
               </a:rPr>
-              <a:t>Напишите программу, в которой создается одномерный числовой массив и заполняется числами, которые при делении на 5 дают в остатке 2 (числа 2, 7,12,17 и так далее). Размер массива вводится пользователем. Предусмотреть обработку ошибки, связанной с вводом некорректного значения.</a:t>
-            </a:r>
+              <a:t>Задача</a:t>
+            </a:r>
+          </a:p>
+          <a:p>
+            <a:r>
+              <a:rPr lang="en-US" sz="1400" dirty="0">
+                <a:solidFill>
+                  <a:schemeClr val="tx1"/>
+                </a:solidFill>
+                <a:latin typeface="Times New Roman" panose="02020603050405020304" pitchFamily="18" charset="0"/>
+                <a:cs typeface="Times New Roman" panose="02020603050405020304" pitchFamily="18" charset="0"/>
+                <a:hlinkClick r:id="rId2"/>
+              </a:rPr>
+              <a:t>https://acm.timus.ru/problem.aspx?space=1&amp;num=2012</a:t>
+            </a:r>
+            <a:endParaRPr lang="ru-RU" sz="1400" dirty="0">
+              <a:solidFill>
+                <a:schemeClr val="tx1"/>
+              </a:solidFill>
+              <a:latin typeface="Times New Roman" panose="02020603050405020304" pitchFamily="18" charset="0"/>
+              <a:cs typeface="Times New Roman" panose="02020603050405020304" pitchFamily="18" charset="0"/>
+            </a:endParaRPr>
+          </a:p>
+          <a:p>
+            <a:endParaRPr lang="ru-RU" sz="1400" dirty="0">
+              <a:solidFill>
+                <a:schemeClr val="tx1"/>
+              </a:solidFill>
+              <a:latin typeface="Times New Roman" panose="02020603050405020304" pitchFamily="18" charset="0"/>
+              <a:cs typeface="Times New Roman" panose="02020603050405020304" pitchFamily="18" charset="0"/>
+            </a:endParaRPr>
           </a:p>
           <a:p>
             <a:r>
@@ -5296,29 +7111,19 @@
                 </a:solidFill>
                 <a:latin typeface="Times New Roman" panose="02020603050405020304" pitchFamily="18" charset="0"/>
                 <a:cs typeface="Times New Roman" panose="02020603050405020304" pitchFamily="18" charset="0"/>
-              </a:rPr>
-              <a:t>https://github.com/Vladnwx/Learn2023-2024/blob/master/src/lr3/Example</a:t>
-            </a:r>
-            <a:r>
-              <a:rPr lang="ru-RU" sz="1400" dirty="0">
-                <a:solidFill>
-                  <a:schemeClr val="tx1"/>
-                </a:solidFill>
-                <a:latin typeface="Times New Roman" panose="02020603050405020304" pitchFamily="18" charset="0"/>
-                <a:cs typeface="Times New Roman" panose="02020603050405020304" pitchFamily="18" charset="0"/>
-              </a:rPr>
-              <a:t>6</a:t>
-            </a:r>
-            <a:r>
-              <a:rPr lang="en-US" sz="1400" dirty="0">
-                <a:solidFill>
-                  <a:schemeClr val="tx1"/>
-                </a:solidFill>
-                <a:latin typeface="Times New Roman" panose="02020603050405020304" pitchFamily="18" charset="0"/>
-                <a:cs typeface="Times New Roman" panose="02020603050405020304" pitchFamily="18" charset="0"/>
-              </a:rPr>
-              <a:t>.java</a:t>
-            </a:r>
+                <a:hlinkClick r:id="rId3"/>
+              </a:rPr>
+              <a:t>https://github.com/Vladnwx/Learn2023-2024/blob/master/src/timus/task_2012/Main.java</a:t>
+            </a:r>
+            <a:endParaRPr lang="ru-RU" sz="1400" dirty="0">
+              <a:solidFill>
+                <a:schemeClr val="tx1"/>
+              </a:solidFill>
+              <a:latin typeface="Times New Roman" panose="02020603050405020304" pitchFamily="18" charset="0"/>
+              <a:cs typeface="Times New Roman" panose="02020603050405020304" pitchFamily="18" charset="0"/>
+            </a:endParaRPr>
+          </a:p>
+          <a:p>
             <a:endParaRPr lang="ru-RU" sz="1400" dirty="0">
               <a:solidFill>
                 <a:schemeClr val="tx1"/>
@@ -5332,7 +7137,7 @@
     </p:spTree>
     <p:extLst>
       <p:ext uri="{BB962C8B-B14F-4D97-AF65-F5344CB8AC3E}">
-        <p14:creationId xmlns:p14="http://schemas.microsoft.com/office/powerpoint/2010/main" val="1117629038"/>
+        <p14:creationId xmlns:p14="http://schemas.microsoft.com/office/powerpoint/2010/main" val="1827430533"/>
       </p:ext>
     </p:extLst>
   </p:cSld>
@@ -5416,8 +7221,8 @@
         </p:nvSpPr>
         <p:spPr>
           <a:xfrm>
-            <a:off x="831850" y="629175"/>
-            <a:ext cx="10515600" cy="3288484"/>
+            <a:off x="831850" y="629174"/>
+            <a:ext cx="10515600" cy="5898625"/>
           </a:xfrm>
         </p:spPr>
         <p:txBody>
@@ -5434,8 +7239,37 @@
                 <a:latin typeface="Times New Roman" panose="02020603050405020304" pitchFamily="18" charset="0"/>
                 <a:cs typeface="Times New Roman" panose="02020603050405020304" pitchFamily="18" charset="0"/>
               </a:rPr>
-              <a:t>Напишите программу, в которой создается одномерный символьный массив из 10 элементов. Массив заполняется буквами «через одну», начиная с буквы ' а ': то есть массив заполняется буквами 'а', 'с', ' е', 'д' и так далее. Отобразите массив в консольном окне в прямом и обратном порядке. Размер массива задается переменной.</a:t>
-            </a:r>
+              <a:t>Задача</a:t>
+            </a:r>
+          </a:p>
+          <a:p>
+            <a:r>
+              <a:rPr lang="en-US" sz="1400" dirty="0">
+                <a:solidFill>
+                  <a:schemeClr val="tx1"/>
+                </a:solidFill>
+                <a:latin typeface="Times New Roman" panose="02020603050405020304" pitchFamily="18" charset="0"/>
+                <a:cs typeface="Times New Roman" panose="02020603050405020304" pitchFamily="18" charset="0"/>
+                <a:hlinkClick r:id="rId2"/>
+              </a:rPr>
+              <a:t>https://acm.timus.ru/problem.aspx?space=1&amp;num=1877</a:t>
+            </a:r>
+            <a:endParaRPr lang="ru-RU" sz="1400" dirty="0">
+              <a:solidFill>
+                <a:schemeClr val="tx1"/>
+              </a:solidFill>
+              <a:latin typeface="Times New Roman" panose="02020603050405020304" pitchFamily="18" charset="0"/>
+              <a:cs typeface="Times New Roman" panose="02020603050405020304" pitchFamily="18" charset="0"/>
+            </a:endParaRPr>
+          </a:p>
+          <a:p>
+            <a:endParaRPr lang="ru-RU" sz="1400" dirty="0">
+              <a:solidFill>
+                <a:schemeClr val="tx1"/>
+              </a:solidFill>
+              <a:latin typeface="Times New Roman" panose="02020603050405020304" pitchFamily="18" charset="0"/>
+              <a:cs typeface="Times New Roman" panose="02020603050405020304" pitchFamily="18" charset="0"/>
+            </a:endParaRPr>
           </a:p>
           <a:p>
             <a:r>
@@ -5455,29 +7289,19 @@
                 </a:solidFill>
                 <a:latin typeface="Times New Roman" panose="02020603050405020304" pitchFamily="18" charset="0"/>
                 <a:cs typeface="Times New Roman" panose="02020603050405020304" pitchFamily="18" charset="0"/>
-              </a:rPr>
-              <a:t>https://github.com/Vladnwx/Learn2023-2024/blob/master/src/lr3/Example</a:t>
-            </a:r>
-            <a:r>
-              <a:rPr lang="ru-RU" sz="1400" dirty="0">
-                <a:solidFill>
-                  <a:schemeClr val="tx1"/>
-                </a:solidFill>
-                <a:latin typeface="Times New Roman" panose="02020603050405020304" pitchFamily="18" charset="0"/>
-                <a:cs typeface="Times New Roman" panose="02020603050405020304" pitchFamily="18" charset="0"/>
-              </a:rPr>
-              <a:t>7</a:t>
-            </a:r>
-            <a:r>
-              <a:rPr lang="en-US" sz="1400" dirty="0">
-                <a:solidFill>
-                  <a:schemeClr val="tx1"/>
-                </a:solidFill>
-                <a:latin typeface="Times New Roman" panose="02020603050405020304" pitchFamily="18" charset="0"/>
-                <a:cs typeface="Times New Roman" panose="02020603050405020304" pitchFamily="18" charset="0"/>
-              </a:rPr>
-              <a:t>.java</a:t>
-            </a:r>
+                <a:hlinkClick r:id="rId3"/>
+              </a:rPr>
+              <a:t>https://github.com/Vladnwx/Learn2023-2024/blob/master/src/timus/task_1877/Main.java</a:t>
+            </a:r>
+            <a:endParaRPr lang="ru-RU" sz="1400" dirty="0">
+              <a:solidFill>
+                <a:schemeClr val="tx1"/>
+              </a:solidFill>
+              <a:latin typeface="Times New Roman" panose="02020603050405020304" pitchFamily="18" charset="0"/>
+              <a:cs typeface="Times New Roman" panose="02020603050405020304" pitchFamily="18" charset="0"/>
+            </a:endParaRPr>
+          </a:p>
+          <a:p>
             <a:endParaRPr lang="ru-RU" sz="1400" dirty="0">
               <a:solidFill>
                 <a:schemeClr val="tx1"/>
@@ -5491,7 +7315,7 @@
     </p:spTree>
     <p:extLst>
       <p:ext uri="{BB962C8B-B14F-4D97-AF65-F5344CB8AC3E}">
-        <p14:creationId xmlns:p14="http://schemas.microsoft.com/office/powerpoint/2010/main" val="437559692"/>
+        <p14:creationId xmlns:p14="http://schemas.microsoft.com/office/powerpoint/2010/main" val="3684397935"/>
       </p:ext>
     </p:extLst>
   </p:cSld>
